--- a/Troy Tech - Presentation/TROY Mert.pptx
+++ b/Troy Tech - Presentation/TROY Mert.pptx
@@ -5,7 +5,7 @@
     <p:sldMasterId id="2147483648" r:id="rId1"/>
   </p:sldMasterIdLst>
   <p:notesMasterIdLst>
-    <p:notesMasterId r:id="rId8"/>
+    <p:notesMasterId r:id="rId9"/>
   </p:notesMasterIdLst>
   <p:sldIdLst>
     <p:sldId id="256" r:id="rId2"/>
@@ -13,7 +13,8 @@
     <p:sldId id="258" r:id="rId4"/>
     <p:sldId id="259" r:id="rId5"/>
     <p:sldId id="260" r:id="rId6"/>
-    <p:sldId id="261" r:id="rId7"/>
+    <p:sldId id="262" r:id="rId7"/>
+    <p:sldId id="261" r:id="rId8"/>
   </p:sldIdLst>
   <p:sldSz cx="12192000" cy="6858000"/>
   <p:notesSz cx="6858000" cy="9144000"/>
@@ -492,7 +493,7 @@
           <p:cNvPr id="2" name="Unvan 1">
             <a:extLst>
               <a:ext uri="{FF2B5EF4-FFF2-40B4-BE49-F238E27FC236}">
-                <a16:creationId xmlns:a16="http://schemas.microsoft.com/office/drawing/2014/main" xmlns="" id="{9470B9E8-F296-4076-962B-1B8528D8CB6D}"/>
+                <a16:creationId xmlns="" xmlns:a16="http://schemas.microsoft.com/office/drawing/2014/main" id="{9470B9E8-F296-4076-962B-1B8528D8CB6D}"/>
               </a:ext>
             </a:extLst>
           </p:cNvPr>
@@ -530,7 +531,7 @@
           <p:cNvPr id="3" name="Alt Başlık 2">
             <a:extLst>
               <a:ext uri="{FF2B5EF4-FFF2-40B4-BE49-F238E27FC236}">
-                <a16:creationId xmlns:a16="http://schemas.microsoft.com/office/drawing/2014/main" xmlns="" id="{7920E9DB-08C6-4E91-A6F8-9D1ECC2B982A}"/>
+                <a16:creationId xmlns="" xmlns:a16="http://schemas.microsoft.com/office/drawing/2014/main" id="{7920E9DB-08C6-4E91-A6F8-9D1ECC2B982A}"/>
               </a:ext>
             </a:extLst>
           </p:cNvPr>
@@ -601,7 +602,7 @@
           <p:cNvPr id="4" name="Veri Yer Tutucusu 3">
             <a:extLst>
               <a:ext uri="{FF2B5EF4-FFF2-40B4-BE49-F238E27FC236}">
-                <a16:creationId xmlns:a16="http://schemas.microsoft.com/office/drawing/2014/main" xmlns="" id="{6787A392-8D13-4963-B1D6-106579B14328}"/>
+                <a16:creationId xmlns="" xmlns:a16="http://schemas.microsoft.com/office/drawing/2014/main" id="{6787A392-8D13-4963-B1D6-106579B14328}"/>
               </a:ext>
             </a:extLst>
           </p:cNvPr>
@@ -630,7 +631,7 @@
           <p:cNvPr id="5" name="Alt Bilgi Yer Tutucusu 4">
             <a:extLst>
               <a:ext uri="{FF2B5EF4-FFF2-40B4-BE49-F238E27FC236}">
-                <a16:creationId xmlns:a16="http://schemas.microsoft.com/office/drawing/2014/main" xmlns="" id="{0E07BF0E-B6CC-4981-BF5F-339B894BE23D}"/>
+                <a16:creationId xmlns="" xmlns:a16="http://schemas.microsoft.com/office/drawing/2014/main" id="{0E07BF0E-B6CC-4981-BF5F-339B894BE23D}"/>
               </a:ext>
             </a:extLst>
           </p:cNvPr>
@@ -655,7 +656,7 @@
           <p:cNvPr id="6" name="Slayt Numarası Yer Tutucusu 5">
             <a:extLst>
               <a:ext uri="{FF2B5EF4-FFF2-40B4-BE49-F238E27FC236}">
-                <a16:creationId xmlns:a16="http://schemas.microsoft.com/office/drawing/2014/main" xmlns="" id="{EEAF1248-D726-4758-9EE4-3C84BF57AD0A}"/>
+                <a16:creationId xmlns="" xmlns:a16="http://schemas.microsoft.com/office/drawing/2014/main" id="{EEAF1248-D726-4758-9EE4-3C84BF57AD0A}"/>
               </a:ext>
             </a:extLst>
           </p:cNvPr>
@@ -714,7 +715,7 @@
           <p:cNvPr id="2" name="Unvan 1">
             <a:extLst>
               <a:ext uri="{FF2B5EF4-FFF2-40B4-BE49-F238E27FC236}">
-                <a16:creationId xmlns:a16="http://schemas.microsoft.com/office/drawing/2014/main" xmlns="" id="{8B75A959-10C0-4B4A-9E4C-DA1CC9898CF2}"/>
+                <a16:creationId xmlns="" xmlns:a16="http://schemas.microsoft.com/office/drawing/2014/main" id="{8B75A959-10C0-4B4A-9E4C-DA1CC9898CF2}"/>
               </a:ext>
             </a:extLst>
           </p:cNvPr>
@@ -743,7 +744,7 @@
           <p:cNvPr id="3" name="Dikey Metin Yer Tutucusu 2">
             <a:extLst>
               <a:ext uri="{FF2B5EF4-FFF2-40B4-BE49-F238E27FC236}">
-                <a16:creationId xmlns:a16="http://schemas.microsoft.com/office/drawing/2014/main" xmlns="" id="{59FBDA73-0F2A-4314-9475-3F4628F42848}"/>
+                <a16:creationId xmlns="" xmlns:a16="http://schemas.microsoft.com/office/drawing/2014/main" id="{59FBDA73-0F2A-4314-9475-3F4628F42848}"/>
               </a:ext>
             </a:extLst>
           </p:cNvPr>
@@ -801,7 +802,7 @@
           <p:cNvPr id="4" name="Veri Yer Tutucusu 3">
             <a:extLst>
               <a:ext uri="{FF2B5EF4-FFF2-40B4-BE49-F238E27FC236}">
-                <a16:creationId xmlns:a16="http://schemas.microsoft.com/office/drawing/2014/main" xmlns="" id="{4E82A514-64A4-4D17-AF45-A73D24D5B630}"/>
+                <a16:creationId xmlns="" xmlns:a16="http://schemas.microsoft.com/office/drawing/2014/main" id="{4E82A514-64A4-4D17-AF45-A73D24D5B630}"/>
               </a:ext>
             </a:extLst>
           </p:cNvPr>
@@ -830,7 +831,7 @@
           <p:cNvPr id="5" name="Alt Bilgi Yer Tutucusu 4">
             <a:extLst>
               <a:ext uri="{FF2B5EF4-FFF2-40B4-BE49-F238E27FC236}">
-                <a16:creationId xmlns:a16="http://schemas.microsoft.com/office/drawing/2014/main" xmlns="" id="{93D1E74F-6F38-459C-AE76-E6E5F100CBEB}"/>
+                <a16:creationId xmlns="" xmlns:a16="http://schemas.microsoft.com/office/drawing/2014/main" id="{93D1E74F-6F38-459C-AE76-E6E5F100CBEB}"/>
               </a:ext>
             </a:extLst>
           </p:cNvPr>
@@ -855,7 +856,7 @@
           <p:cNvPr id="6" name="Slayt Numarası Yer Tutucusu 5">
             <a:extLst>
               <a:ext uri="{FF2B5EF4-FFF2-40B4-BE49-F238E27FC236}">
-                <a16:creationId xmlns:a16="http://schemas.microsoft.com/office/drawing/2014/main" xmlns="" id="{688552E6-D237-48F0-B6E7-51E2FC654973}"/>
+                <a16:creationId xmlns="" xmlns:a16="http://schemas.microsoft.com/office/drawing/2014/main" id="{688552E6-D237-48F0-B6E7-51E2FC654973}"/>
               </a:ext>
             </a:extLst>
           </p:cNvPr>
@@ -914,7 +915,7 @@
           <p:cNvPr id="2" name="Dikey Başlık 1">
             <a:extLst>
               <a:ext uri="{FF2B5EF4-FFF2-40B4-BE49-F238E27FC236}">
-                <a16:creationId xmlns:a16="http://schemas.microsoft.com/office/drawing/2014/main" xmlns="" id="{8DA3455B-CCDA-4D5D-8095-C068FA5417BB}"/>
+                <a16:creationId xmlns="" xmlns:a16="http://schemas.microsoft.com/office/drawing/2014/main" id="{8DA3455B-CCDA-4D5D-8095-C068FA5417BB}"/>
               </a:ext>
             </a:extLst>
           </p:cNvPr>
@@ -948,7 +949,7 @@
           <p:cNvPr id="3" name="Dikey Metin Yer Tutucusu 2">
             <a:extLst>
               <a:ext uri="{FF2B5EF4-FFF2-40B4-BE49-F238E27FC236}">
-                <a16:creationId xmlns:a16="http://schemas.microsoft.com/office/drawing/2014/main" xmlns="" id="{3EA18479-B9B6-4D5D-B0B7-29FCC3677C07}"/>
+                <a16:creationId xmlns="" xmlns:a16="http://schemas.microsoft.com/office/drawing/2014/main" id="{3EA18479-B9B6-4D5D-B0B7-29FCC3677C07}"/>
               </a:ext>
             </a:extLst>
           </p:cNvPr>
@@ -1011,7 +1012,7 @@
           <p:cNvPr id="4" name="Veri Yer Tutucusu 3">
             <a:extLst>
               <a:ext uri="{FF2B5EF4-FFF2-40B4-BE49-F238E27FC236}">
-                <a16:creationId xmlns:a16="http://schemas.microsoft.com/office/drawing/2014/main" xmlns="" id="{54967EBF-6ADE-4C62-8EC6-293DC9952ED0}"/>
+                <a16:creationId xmlns="" xmlns:a16="http://schemas.microsoft.com/office/drawing/2014/main" id="{54967EBF-6ADE-4C62-8EC6-293DC9952ED0}"/>
               </a:ext>
             </a:extLst>
           </p:cNvPr>
@@ -1040,7 +1041,7 @@
           <p:cNvPr id="5" name="Alt Bilgi Yer Tutucusu 4">
             <a:extLst>
               <a:ext uri="{FF2B5EF4-FFF2-40B4-BE49-F238E27FC236}">
-                <a16:creationId xmlns:a16="http://schemas.microsoft.com/office/drawing/2014/main" xmlns="" id="{A6CE1C30-B851-438A-BC84-82B0A0C27A09}"/>
+                <a16:creationId xmlns="" xmlns:a16="http://schemas.microsoft.com/office/drawing/2014/main" id="{A6CE1C30-B851-438A-BC84-82B0A0C27A09}"/>
               </a:ext>
             </a:extLst>
           </p:cNvPr>
@@ -1065,7 +1066,7 @@
           <p:cNvPr id="6" name="Slayt Numarası Yer Tutucusu 5">
             <a:extLst>
               <a:ext uri="{FF2B5EF4-FFF2-40B4-BE49-F238E27FC236}">
-                <a16:creationId xmlns:a16="http://schemas.microsoft.com/office/drawing/2014/main" xmlns="" id="{1F74F23F-28D9-4E5F-A36A-4E50E3F7BCB8}"/>
+                <a16:creationId xmlns="" xmlns:a16="http://schemas.microsoft.com/office/drawing/2014/main" id="{1F74F23F-28D9-4E5F-A36A-4E50E3F7BCB8}"/>
               </a:ext>
             </a:extLst>
           </p:cNvPr>
@@ -1124,7 +1125,7 @@
           <p:cNvPr id="2" name="Unvan 1">
             <a:extLst>
               <a:ext uri="{FF2B5EF4-FFF2-40B4-BE49-F238E27FC236}">
-                <a16:creationId xmlns:a16="http://schemas.microsoft.com/office/drawing/2014/main" xmlns="" id="{A94ED8A3-EAC3-4206-A94B-4D711AF70C48}"/>
+                <a16:creationId xmlns="" xmlns:a16="http://schemas.microsoft.com/office/drawing/2014/main" id="{A94ED8A3-EAC3-4206-A94B-4D711AF70C48}"/>
               </a:ext>
             </a:extLst>
           </p:cNvPr>
@@ -1153,7 +1154,7 @@
           <p:cNvPr id="3" name="İçerik Yer Tutucusu 2">
             <a:extLst>
               <a:ext uri="{FF2B5EF4-FFF2-40B4-BE49-F238E27FC236}">
-                <a16:creationId xmlns:a16="http://schemas.microsoft.com/office/drawing/2014/main" xmlns="" id="{D51F4699-CF75-4792-B00E-81359457770B}"/>
+                <a16:creationId xmlns="" xmlns:a16="http://schemas.microsoft.com/office/drawing/2014/main" id="{D51F4699-CF75-4792-B00E-81359457770B}"/>
               </a:ext>
             </a:extLst>
           </p:cNvPr>
@@ -1211,7 +1212,7 @@
           <p:cNvPr id="4" name="Veri Yer Tutucusu 3">
             <a:extLst>
               <a:ext uri="{FF2B5EF4-FFF2-40B4-BE49-F238E27FC236}">
-                <a16:creationId xmlns:a16="http://schemas.microsoft.com/office/drawing/2014/main" xmlns="" id="{1325EFD4-BBD7-4D71-9AE1-45AC946DF538}"/>
+                <a16:creationId xmlns="" xmlns:a16="http://schemas.microsoft.com/office/drawing/2014/main" id="{1325EFD4-BBD7-4D71-9AE1-45AC946DF538}"/>
               </a:ext>
             </a:extLst>
           </p:cNvPr>
@@ -1240,7 +1241,7 @@
           <p:cNvPr id="5" name="Alt Bilgi Yer Tutucusu 4">
             <a:extLst>
               <a:ext uri="{FF2B5EF4-FFF2-40B4-BE49-F238E27FC236}">
-                <a16:creationId xmlns:a16="http://schemas.microsoft.com/office/drawing/2014/main" xmlns="" id="{220002B5-7B8C-45A4-A8C1-2218E8FB58B9}"/>
+                <a16:creationId xmlns="" xmlns:a16="http://schemas.microsoft.com/office/drawing/2014/main" id="{220002B5-7B8C-45A4-A8C1-2218E8FB58B9}"/>
               </a:ext>
             </a:extLst>
           </p:cNvPr>
@@ -1265,7 +1266,7 @@
           <p:cNvPr id="6" name="Slayt Numarası Yer Tutucusu 5">
             <a:extLst>
               <a:ext uri="{FF2B5EF4-FFF2-40B4-BE49-F238E27FC236}">
-                <a16:creationId xmlns:a16="http://schemas.microsoft.com/office/drawing/2014/main" xmlns="" id="{40C6F471-0AD7-4EFA-8E79-1DFE909A9AA3}"/>
+                <a16:creationId xmlns="" xmlns:a16="http://schemas.microsoft.com/office/drawing/2014/main" id="{40C6F471-0AD7-4EFA-8E79-1DFE909A9AA3}"/>
               </a:ext>
             </a:extLst>
           </p:cNvPr>
@@ -1324,7 +1325,7 @@
           <p:cNvPr id="2" name="Unvan 1">
             <a:extLst>
               <a:ext uri="{FF2B5EF4-FFF2-40B4-BE49-F238E27FC236}">
-                <a16:creationId xmlns:a16="http://schemas.microsoft.com/office/drawing/2014/main" xmlns="" id="{EA2DF68A-5FFA-49EE-8415-284C43E6B292}"/>
+                <a16:creationId xmlns="" xmlns:a16="http://schemas.microsoft.com/office/drawing/2014/main" id="{EA2DF68A-5FFA-49EE-8415-284C43E6B292}"/>
               </a:ext>
             </a:extLst>
           </p:cNvPr>
@@ -1362,7 +1363,7 @@
           <p:cNvPr id="3" name="Metin Yer Tutucusu 2">
             <a:extLst>
               <a:ext uri="{FF2B5EF4-FFF2-40B4-BE49-F238E27FC236}">
-                <a16:creationId xmlns:a16="http://schemas.microsoft.com/office/drawing/2014/main" xmlns="" id="{E6B9FD20-FF99-4B01-A3A2-019AC96FB6B5}"/>
+                <a16:creationId xmlns="" xmlns:a16="http://schemas.microsoft.com/office/drawing/2014/main" id="{E6B9FD20-FF99-4B01-A3A2-019AC96FB6B5}"/>
               </a:ext>
             </a:extLst>
           </p:cNvPr>
@@ -1487,7 +1488,7 @@
           <p:cNvPr id="4" name="Veri Yer Tutucusu 3">
             <a:extLst>
               <a:ext uri="{FF2B5EF4-FFF2-40B4-BE49-F238E27FC236}">
-                <a16:creationId xmlns:a16="http://schemas.microsoft.com/office/drawing/2014/main" xmlns="" id="{E174277A-72BA-4948-B6A4-78E5C19D89B0}"/>
+                <a16:creationId xmlns="" xmlns:a16="http://schemas.microsoft.com/office/drawing/2014/main" id="{E174277A-72BA-4948-B6A4-78E5C19D89B0}"/>
               </a:ext>
             </a:extLst>
           </p:cNvPr>
@@ -1516,7 +1517,7 @@
           <p:cNvPr id="5" name="Alt Bilgi Yer Tutucusu 4">
             <a:extLst>
               <a:ext uri="{FF2B5EF4-FFF2-40B4-BE49-F238E27FC236}">
-                <a16:creationId xmlns:a16="http://schemas.microsoft.com/office/drawing/2014/main" xmlns="" id="{F7D3D3C4-43B4-40DD-9A3F-8DC883C5738A}"/>
+                <a16:creationId xmlns="" xmlns:a16="http://schemas.microsoft.com/office/drawing/2014/main" id="{F7D3D3C4-43B4-40DD-9A3F-8DC883C5738A}"/>
               </a:ext>
             </a:extLst>
           </p:cNvPr>
@@ -1541,7 +1542,7 @@
           <p:cNvPr id="6" name="Slayt Numarası Yer Tutucusu 5">
             <a:extLst>
               <a:ext uri="{FF2B5EF4-FFF2-40B4-BE49-F238E27FC236}">
-                <a16:creationId xmlns:a16="http://schemas.microsoft.com/office/drawing/2014/main" xmlns="" id="{97EC7BAC-44D0-4093-8954-A873911C7260}"/>
+                <a16:creationId xmlns="" xmlns:a16="http://schemas.microsoft.com/office/drawing/2014/main" id="{97EC7BAC-44D0-4093-8954-A873911C7260}"/>
               </a:ext>
             </a:extLst>
           </p:cNvPr>
@@ -1600,7 +1601,7 @@
           <p:cNvPr id="2" name="Unvan 1">
             <a:extLst>
               <a:ext uri="{FF2B5EF4-FFF2-40B4-BE49-F238E27FC236}">
-                <a16:creationId xmlns:a16="http://schemas.microsoft.com/office/drawing/2014/main" xmlns="" id="{A867AB42-1A2C-4381-8BD8-3A68FF69420D}"/>
+                <a16:creationId xmlns="" xmlns:a16="http://schemas.microsoft.com/office/drawing/2014/main" id="{A867AB42-1A2C-4381-8BD8-3A68FF69420D}"/>
               </a:ext>
             </a:extLst>
           </p:cNvPr>
@@ -1629,7 +1630,7 @@
           <p:cNvPr id="3" name="İçerik Yer Tutucusu 2">
             <a:extLst>
               <a:ext uri="{FF2B5EF4-FFF2-40B4-BE49-F238E27FC236}">
-                <a16:creationId xmlns:a16="http://schemas.microsoft.com/office/drawing/2014/main" xmlns="" id="{CCA400F1-8E1E-428E-8B20-F327721914AA}"/>
+                <a16:creationId xmlns="" xmlns:a16="http://schemas.microsoft.com/office/drawing/2014/main" id="{CCA400F1-8E1E-428E-8B20-F327721914AA}"/>
               </a:ext>
             </a:extLst>
           </p:cNvPr>
@@ -1692,7 +1693,7 @@
           <p:cNvPr id="4" name="İçerik Yer Tutucusu 3">
             <a:extLst>
               <a:ext uri="{FF2B5EF4-FFF2-40B4-BE49-F238E27FC236}">
-                <a16:creationId xmlns:a16="http://schemas.microsoft.com/office/drawing/2014/main" xmlns="" id="{780AEE74-3385-4778-8FAF-0D9EC4A65A89}"/>
+                <a16:creationId xmlns="" xmlns:a16="http://schemas.microsoft.com/office/drawing/2014/main" id="{780AEE74-3385-4778-8FAF-0D9EC4A65A89}"/>
               </a:ext>
             </a:extLst>
           </p:cNvPr>
@@ -1755,7 +1756,7 @@
           <p:cNvPr id="5" name="Veri Yer Tutucusu 4">
             <a:extLst>
               <a:ext uri="{FF2B5EF4-FFF2-40B4-BE49-F238E27FC236}">
-                <a16:creationId xmlns:a16="http://schemas.microsoft.com/office/drawing/2014/main" xmlns="" id="{C43E0F01-CB40-4981-9883-B9DF4F842586}"/>
+                <a16:creationId xmlns="" xmlns:a16="http://schemas.microsoft.com/office/drawing/2014/main" id="{C43E0F01-CB40-4981-9883-B9DF4F842586}"/>
               </a:ext>
             </a:extLst>
           </p:cNvPr>
@@ -1784,7 +1785,7 @@
           <p:cNvPr id="6" name="Alt Bilgi Yer Tutucusu 5">
             <a:extLst>
               <a:ext uri="{FF2B5EF4-FFF2-40B4-BE49-F238E27FC236}">
-                <a16:creationId xmlns:a16="http://schemas.microsoft.com/office/drawing/2014/main" xmlns="" id="{5CC2F9AE-B5E6-41AA-B388-9475B29A1A3F}"/>
+                <a16:creationId xmlns="" xmlns:a16="http://schemas.microsoft.com/office/drawing/2014/main" id="{5CC2F9AE-B5E6-41AA-B388-9475B29A1A3F}"/>
               </a:ext>
             </a:extLst>
           </p:cNvPr>
@@ -1809,7 +1810,7 @@
           <p:cNvPr id="7" name="Slayt Numarası Yer Tutucusu 6">
             <a:extLst>
               <a:ext uri="{FF2B5EF4-FFF2-40B4-BE49-F238E27FC236}">
-                <a16:creationId xmlns:a16="http://schemas.microsoft.com/office/drawing/2014/main" xmlns="" id="{B83F9B13-B52E-4864-AE58-0B33EC41D429}"/>
+                <a16:creationId xmlns="" xmlns:a16="http://schemas.microsoft.com/office/drawing/2014/main" id="{B83F9B13-B52E-4864-AE58-0B33EC41D429}"/>
               </a:ext>
             </a:extLst>
           </p:cNvPr>
@@ -1868,7 +1869,7 @@
           <p:cNvPr id="2" name="Unvan 1">
             <a:extLst>
               <a:ext uri="{FF2B5EF4-FFF2-40B4-BE49-F238E27FC236}">
-                <a16:creationId xmlns:a16="http://schemas.microsoft.com/office/drawing/2014/main" xmlns="" id="{E0582259-E66D-46D0-9A65-817FC5B58197}"/>
+                <a16:creationId xmlns="" xmlns:a16="http://schemas.microsoft.com/office/drawing/2014/main" id="{E0582259-E66D-46D0-9A65-817FC5B58197}"/>
               </a:ext>
             </a:extLst>
           </p:cNvPr>
@@ -1902,7 +1903,7 @@
           <p:cNvPr id="3" name="Metin Yer Tutucusu 2">
             <a:extLst>
               <a:ext uri="{FF2B5EF4-FFF2-40B4-BE49-F238E27FC236}">
-                <a16:creationId xmlns:a16="http://schemas.microsoft.com/office/drawing/2014/main" xmlns="" id="{2669CB0F-88FA-4AE2-99ED-6AAC9448D478}"/>
+                <a16:creationId xmlns="" xmlns:a16="http://schemas.microsoft.com/office/drawing/2014/main" id="{2669CB0F-88FA-4AE2-99ED-6AAC9448D478}"/>
               </a:ext>
             </a:extLst>
           </p:cNvPr>
@@ -1973,7 +1974,7 @@
           <p:cNvPr id="4" name="İçerik Yer Tutucusu 3">
             <a:extLst>
               <a:ext uri="{FF2B5EF4-FFF2-40B4-BE49-F238E27FC236}">
-                <a16:creationId xmlns:a16="http://schemas.microsoft.com/office/drawing/2014/main" xmlns="" id="{26AE507E-F66B-4BAD-8369-7F33835B9767}"/>
+                <a16:creationId xmlns="" xmlns:a16="http://schemas.microsoft.com/office/drawing/2014/main" id="{26AE507E-F66B-4BAD-8369-7F33835B9767}"/>
               </a:ext>
             </a:extLst>
           </p:cNvPr>
@@ -2036,7 +2037,7 @@
           <p:cNvPr id="5" name="Metin Yer Tutucusu 4">
             <a:extLst>
               <a:ext uri="{FF2B5EF4-FFF2-40B4-BE49-F238E27FC236}">
-                <a16:creationId xmlns:a16="http://schemas.microsoft.com/office/drawing/2014/main" xmlns="" id="{5CA46A59-AD9C-46E0-B56B-9D321D2C4F33}"/>
+                <a16:creationId xmlns="" xmlns:a16="http://schemas.microsoft.com/office/drawing/2014/main" id="{5CA46A59-AD9C-46E0-B56B-9D321D2C4F33}"/>
               </a:ext>
             </a:extLst>
           </p:cNvPr>
@@ -2107,7 +2108,7 @@
           <p:cNvPr id="6" name="İçerik Yer Tutucusu 5">
             <a:extLst>
               <a:ext uri="{FF2B5EF4-FFF2-40B4-BE49-F238E27FC236}">
-                <a16:creationId xmlns:a16="http://schemas.microsoft.com/office/drawing/2014/main" xmlns="" id="{1E67CBD9-FA2B-470D-A7B8-3F20199D4EB5}"/>
+                <a16:creationId xmlns="" xmlns:a16="http://schemas.microsoft.com/office/drawing/2014/main" id="{1E67CBD9-FA2B-470D-A7B8-3F20199D4EB5}"/>
               </a:ext>
             </a:extLst>
           </p:cNvPr>
@@ -2170,7 +2171,7 @@
           <p:cNvPr id="7" name="Veri Yer Tutucusu 6">
             <a:extLst>
               <a:ext uri="{FF2B5EF4-FFF2-40B4-BE49-F238E27FC236}">
-                <a16:creationId xmlns:a16="http://schemas.microsoft.com/office/drawing/2014/main" xmlns="" id="{1FEEE973-0A23-4A0A-BF91-B8E7F4AC65C4}"/>
+                <a16:creationId xmlns="" xmlns:a16="http://schemas.microsoft.com/office/drawing/2014/main" id="{1FEEE973-0A23-4A0A-BF91-B8E7F4AC65C4}"/>
               </a:ext>
             </a:extLst>
           </p:cNvPr>
@@ -2199,7 +2200,7 @@
           <p:cNvPr id="8" name="Alt Bilgi Yer Tutucusu 7">
             <a:extLst>
               <a:ext uri="{FF2B5EF4-FFF2-40B4-BE49-F238E27FC236}">
-                <a16:creationId xmlns:a16="http://schemas.microsoft.com/office/drawing/2014/main" xmlns="" id="{C00B43EB-388E-46E0-9BBE-51F3F56E8399}"/>
+                <a16:creationId xmlns="" xmlns:a16="http://schemas.microsoft.com/office/drawing/2014/main" id="{C00B43EB-388E-46E0-9BBE-51F3F56E8399}"/>
               </a:ext>
             </a:extLst>
           </p:cNvPr>
@@ -2224,7 +2225,7 @@
           <p:cNvPr id="9" name="Slayt Numarası Yer Tutucusu 8">
             <a:extLst>
               <a:ext uri="{FF2B5EF4-FFF2-40B4-BE49-F238E27FC236}">
-                <a16:creationId xmlns:a16="http://schemas.microsoft.com/office/drawing/2014/main" xmlns="" id="{50A987E2-F5CC-4330-9379-7CA8939A1D79}"/>
+                <a16:creationId xmlns="" xmlns:a16="http://schemas.microsoft.com/office/drawing/2014/main" id="{50A987E2-F5CC-4330-9379-7CA8939A1D79}"/>
               </a:ext>
             </a:extLst>
           </p:cNvPr>
@@ -2283,7 +2284,7 @@
           <p:cNvPr id="2" name="Unvan 1">
             <a:extLst>
               <a:ext uri="{FF2B5EF4-FFF2-40B4-BE49-F238E27FC236}">
-                <a16:creationId xmlns:a16="http://schemas.microsoft.com/office/drawing/2014/main" xmlns="" id="{547BB290-5308-4392-A316-BA0E73E26BAD}"/>
+                <a16:creationId xmlns="" xmlns:a16="http://schemas.microsoft.com/office/drawing/2014/main" id="{547BB290-5308-4392-A316-BA0E73E26BAD}"/>
               </a:ext>
             </a:extLst>
           </p:cNvPr>
@@ -2312,7 +2313,7 @@
           <p:cNvPr id="3" name="Veri Yer Tutucusu 2">
             <a:extLst>
               <a:ext uri="{FF2B5EF4-FFF2-40B4-BE49-F238E27FC236}">
-                <a16:creationId xmlns:a16="http://schemas.microsoft.com/office/drawing/2014/main" xmlns="" id="{8CEFA0A5-B01D-4FAE-A670-E2637B5CEA5E}"/>
+                <a16:creationId xmlns="" xmlns:a16="http://schemas.microsoft.com/office/drawing/2014/main" id="{8CEFA0A5-B01D-4FAE-A670-E2637B5CEA5E}"/>
               </a:ext>
             </a:extLst>
           </p:cNvPr>
@@ -2341,7 +2342,7 @@
           <p:cNvPr id="4" name="Alt Bilgi Yer Tutucusu 3">
             <a:extLst>
               <a:ext uri="{FF2B5EF4-FFF2-40B4-BE49-F238E27FC236}">
-                <a16:creationId xmlns:a16="http://schemas.microsoft.com/office/drawing/2014/main" xmlns="" id="{9C21E9D0-275E-4FEB-9E42-2590235AE6B5}"/>
+                <a16:creationId xmlns="" xmlns:a16="http://schemas.microsoft.com/office/drawing/2014/main" id="{9C21E9D0-275E-4FEB-9E42-2590235AE6B5}"/>
               </a:ext>
             </a:extLst>
           </p:cNvPr>
@@ -2366,7 +2367,7 @@
           <p:cNvPr id="5" name="Slayt Numarası Yer Tutucusu 4">
             <a:extLst>
               <a:ext uri="{FF2B5EF4-FFF2-40B4-BE49-F238E27FC236}">
-                <a16:creationId xmlns:a16="http://schemas.microsoft.com/office/drawing/2014/main" xmlns="" id="{13063114-F55E-4B48-ADB8-B36480455B1E}"/>
+                <a16:creationId xmlns="" xmlns:a16="http://schemas.microsoft.com/office/drawing/2014/main" id="{13063114-F55E-4B48-ADB8-B36480455B1E}"/>
               </a:ext>
             </a:extLst>
           </p:cNvPr>
@@ -2425,7 +2426,7 @@
           <p:cNvPr id="2" name="Veri Yer Tutucusu 1">
             <a:extLst>
               <a:ext uri="{FF2B5EF4-FFF2-40B4-BE49-F238E27FC236}">
-                <a16:creationId xmlns:a16="http://schemas.microsoft.com/office/drawing/2014/main" xmlns="" id="{456392B7-6085-43CD-A6B4-22121650A9AA}"/>
+                <a16:creationId xmlns="" xmlns:a16="http://schemas.microsoft.com/office/drawing/2014/main" id="{456392B7-6085-43CD-A6B4-22121650A9AA}"/>
               </a:ext>
             </a:extLst>
           </p:cNvPr>
@@ -2454,7 +2455,7 @@
           <p:cNvPr id="3" name="Alt Bilgi Yer Tutucusu 2">
             <a:extLst>
               <a:ext uri="{FF2B5EF4-FFF2-40B4-BE49-F238E27FC236}">
-                <a16:creationId xmlns:a16="http://schemas.microsoft.com/office/drawing/2014/main" xmlns="" id="{1EE766F7-61CF-460A-B202-A40D05F5E817}"/>
+                <a16:creationId xmlns="" xmlns:a16="http://schemas.microsoft.com/office/drawing/2014/main" id="{1EE766F7-61CF-460A-B202-A40D05F5E817}"/>
               </a:ext>
             </a:extLst>
           </p:cNvPr>
@@ -2479,7 +2480,7 @@
           <p:cNvPr id="4" name="Slayt Numarası Yer Tutucusu 3">
             <a:extLst>
               <a:ext uri="{FF2B5EF4-FFF2-40B4-BE49-F238E27FC236}">
-                <a16:creationId xmlns:a16="http://schemas.microsoft.com/office/drawing/2014/main" xmlns="" id="{F9041F1D-B418-4773-B6B9-B758FE210FF0}"/>
+                <a16:creationId xmlns="" xmlns:a16="http://schemas.microsoft.com/office/drawing/2014/main" id="{F9041F1D-B418-4773-B6B9-B758FE210FF0}"/>
               </a:ext>
             </a:extLst>
           </p:cNvPr>
@@ -2538,7 +2539,7 @@
           <p:cNvPr id="2" name="Unvan 1">
             <a:extLst>
               <a:ext uri="{FF2B5EF4-FFF2-40B4-BE49-F238E27FC236}">
-                <a16:creationId xmlns:a16="http://schemas.microsoft.com/office/drawing/2014/main" xmlns="" id="{347EC9F9-351D-4E97-8516-EFF46FCEE4E6}"/>
+                <a16:creationId xmlns="" xmlns:a16="http://schemas.microsoft.com/office/drawing/2014/main" id="{347EC9F9-351D-4E97-8516-EFF46FCEE4E6}"/>
               </a:ext>
             </a:extLst>
           </p:cNvPr>
@@ -2576,7 +2577,7 @@
           <p:cNvPr id="3" name="İçerik Yer Tutucusu 2">
             <a:extLst>
               <a:ext uri="{FF2B5EF4-FFF2-40B4-BE49-F238E27FC236}">
-                <a16:creationId xmlns:a16="http://schemas.microsoft.com/office/drawing/2014/main" xmlns="" id="{02309FAE-0B53-4CB4-BA5C-DB5D18A789C9}"/>
+                <a16:creationId xmlns="" xmlns:a16="http://schemas.microsoft.com/office/drawing/2014/main" id="{02309FAE-0B53-4CB4-BA5C-DB5D18A789C9}"/>
               </a:ext>
             </a:extLst>
           </p:cNvPr>
@@ -2667,7 +2668,7 @@
           <p:cNvPr id="4" name="Metin Yer Tutucusu 3">
             <a:extLst>
               <a:ext uri="{FF2B5EF4-FFF2-40B4-BE49-F238E27FC236}">
-                <a16:creationId xmlns:a16="http://schemas.microsoft.com/office/drawing/2014/main" xmlns="" id="{573E1475-1FAB-430F-A02B-578C5C723BE3}"/>
+                <a16:creationId xmlns="" xmlns:a16="http://schemas.microsoft.com/office/drawing/2014/main" id="{573E1475-1FAB-430F-A02B-578C5C723BE3}"/>
               </a:ext>
             </a:extLst>
           </p:cNvPr>
@@ -2738,7 +2739,7 @@
           <p:cNvPr id="5" name="Veri Yer Tutucusu 4">
             <a:extLst>
               <a:ext uri="{FF2B5EF4-FFF2-40B4-BE49-F238E27FC236}">
-                <a16:creationId xmlns:a16="http://schemas.microsoft.com/office/drawing/2014/main" xmlns="" id="{AD09EED9-34A2-4E0A-99B0-3A143C06F709}"/>
+                <a16:creationId xmlns="" xmlns:a16="http://schemas.microsoft.com/office/drawing/2014/main" id="{AD09EED9-34A2-4E0A-99B0-3A143C06F709}"/>
               </a:ext>
             </a:extLst>
           </p:cNvPr>
@@ -2767,7 +2768,7 @@
           <p:cNvPr id="6" name="Alt Bilgi Yer Tutucusu 5">
             <a:extLst>
               <a:ext uri="{FF2B5EF4-FFF2-40B4-BE49-F238E27FC236}">
-                <a16:creationId xmlns:a16="http://schemas.microsoft.com/office/drawing/2014/main" xmlns="" id="{08B31176-D1AA-437E-88C5-93F40DD9CB4A}"/>
+                <a16:creationId xmlns="" xmlns:a16="http://schemas.microsoft.com/office/drawing/2014/main" id="{08B31176-D1AA-437E-88C5-93F40DD9CB4A}"/>
               </a:ext>
             </a:extLst>
           </p:cNvPr>
@@ -2792,7 +2793,7 @@
           <p:cNvPr id="7" name="Slayt Numarası Yer Tutucusu 6">
             <a:extLst>
               <a:ext uri="{FF2B5EF4-FFF2-40B4-BE49-F238E27FC236}">
-                <a16:creationId xmlns:a16="http://schemas.microsoft.com/office/drawing/2014/main" xmlns="" id="{44783B3D-6A18-4006-B2A2-E449CC80301C}"/>
+                <a16:creationId xmlns="" xmlns:a16="http://schemas.microsoft.com/office/drawing/2014/main" id="{44783B3D-6A18-4006-B2A2-E449CC80301C}"/>
               </a:ext>
             </a:extLst>
           </p:cNvPr>
@@ -2851,7 +2852,7 @@
           <p:cNvPr id="2" name="Unvan 1">
             <a:extLst>
               <a:ext uri="{FF2B5EF4-FFF2-40B4-BE49-F238E27FC236}">
-                <a16:creationId xmlns:a16="http://schemas.microsoft.com/office/drawing/2014/main" xmlns="" id="{8D4D4897-ED69-4F4A-90A7-E3981CB71736}"/>
+                <a16:creationId xmlns="" xmlns:a16="http://schemas.microsoft.com/office/drawing/2014/main" id="{8D4D4897-ED69-4F4A-90A7-E3981CB71736}"/>
               </a:ext>
             </a:extLst>
           </p:cNvPr>
@@ -2889,7 +2890,7 @@
           <p:cNvPr id="3" name="Resim Yer Tutucusu 2">
             <a:extLst>
               <a:ext uri="{FF2B5EF4-FFF2-40B4-BE49-F238E27FC236}">
-                <a16:creationId xmlns:a16="http://schemas.microsoft.com/office/drawing/2014/main" xmlns="" id="{EE797CCB-62ED-4D82-B02F-5E631737DB63}"/>
+                <a16:creationId xmlns="" xmlns:a16="http://schemas.microsoft.com/office/drawing/2014/main" id="{EE797CCB-62ED-4D82-B02F-5E631737DB63}"/>
               </a:ext>
             </a:extLst>
           </p:cNvPr>
@@ -2956,7 +2957,7 @@
           <p:cNvPr id="4" name="Metin Yer Tutucusu 3">
             <a:extLst>
               <a:ext uri="{FF2B5EF4-FFF2-40B4-BE49-F238E27FC236}">
-                <a16:creationId xmlns:a16="http://schemas.microsoft.com/office/drawing/2014/main" xmlns="" id="{5A0D92BC-BBAA-4153-A887-7401615D37E0}"/>
+                <a16:creationId xmlns="" xmlns:a16="http://schemas.microsoft.com/office/drawing/2014/main" id="{5A0D92BC-BBAA-4153-A887-7401615D37E0}"/>
               </a:ext>
             </a:extLst>
           </p:cNvPr>
@@ -3027,7 +3028,7 @@
           <p:cNvPr id="5" name="Veri Yer Tutucusu 4">
             <a:extLst>
               <a:ext uri="{FF2B5EF4-FFF2-40B4-BE49-F238E27FC236}">
-                <a16:creationId xmlns:a16="http://schemas.microsoft.com/office/drawing/2014/main" xmlns="" id="{D2F7549E-0D54-4C76-9EEA-42DADE9FF1EF}"/>
+                <a16:creationId xmlns="" xmlns:a16="http://schemas.microsoft.com/office/drawing/2014/main" id="{D2F7549E-0D54-4C76-9EEA-42DADE9FF1EF}"/>
               </a:ext>
             </a:extLst>
           </p:cNvPr>
@@ -3056,7 +3057,7 @@
           <p:cNvPr id="6" name="Alt Bilgi Yer Tutucusu 5">
             <a:extLst>
               <a:ext uri="{FF2B5EF4-FFF2-40B4-BE49-F238E27FC236}">
-                <a16:creationId xmlns:a16="http://schemas.microsoft.com/office/drawing/2014/main" xmlns="" id="{980E3001-4ECB-415E-AA8C-65834F03570F}"/>
+                <a16:creationId xmlns="" xmlns:a16="http://schemas.microsoft.com/office/drawing/2014/main" id="{980E3001-4ECB-415E-AA8C-65834F03570F}"/>
               </a:ext>
             </a:extLst>
           </p:cNvPr>
@@ -3081,7 +3082,7 @@
           <p:cNvPr id="7" name="Slayt Numarası Yer Tutucusu 6">
             <a:extLst>
               <a:ext uri="{FF2B5EF4-FFF2-40B4-BE49-F238E27FC236}">
-                <a16:creationId xmlns:a16="http://schemas.microsoft.com/office/drawing/2014/main" xmlns="" id="{FB232D26-03F2-4FDF-A911-60F6D4F4FA40}"/>
+                <a16:creationId xmlns="" xmlns:a16="http://schemas.microsoft.com/office/drawing/2014/main" id="{FB232D26-03F2-4FDF-A911-60F6D4F4FA40}"/>
               </a:ext>
             </a:extLst>
           </p:cNvPr>
@@ -3145,7 +3146,7 @@
           <p:cNvPr id="2" name="Başlık Yer Tutucusu 1">
             <a:extLst>
               <a:ext uri="{FF2B5EF4-FFF2-40B4-BE49-F238E27FC236}">
-                <a16:creationId xmlns:a16="http://schemas.microsoft.com/office/drawing/2014/main" xmlns="" id="{34B537A3-C651-46C8-BB9F-21EDB8F027AD}"/>
+                <a16:creationId xmlns="" xmlns:a16="http://schemas.microsoft.com/office/drawing/2014/main" id="{34B537A3-C651-46C8-BB9F-21EDB8F027AD}"/>
               </a:ext>
             </a:extLst>
           </p:cNvPr>
@@ -3184,7 +3185,7 @@
           <p:cNvPr id="3" name="Metin Yer Tutucusu 2">
             <a:extLst>
               <a:ext uri="{FF2B5EF4-FFF2-40B4-BE49-F238E27FC236}">
-                <a16:creationId xmlns:a16="http://schemas.microsoft.com/office/drawing/2014/main" xmlns="" id="{821D05D0-1D1F-4F3A-81C6-780DF71EA2DF}"/>
+                <a16:creationId xmlns="" xmlns:a16="http://schemas.microsoft.com/office/drawing/2014/main" id="{821D05D0-1D1F-4F3A-81C6-780DF71EA2DF}"/>
               </a:ext>
             </a:extLst>
           </p:cNvPr>
@@ -3252,7 +3253,7 @@
           <p:cNvPr id="4" name="Veri Yer Tutucusu 3">
             <a:extLst>
               <a:ext uri="{FF2B5EF4-FFF2-40B4-BE49-F238E27FC236}">
-                <a16:creationId xmlns:a16="http://schemas.microsoft.com/office/drawing/2014/main" xmlns="" id="{A601B628-647F-4E21-99C0-AF2BD3707985}"/>
+                <a16:creationId xmlns="" xmlns:a16="http://schemas.microsoft.com/office/drawing/2014/main" id="{A601B628-647F-4E21-99C0-AF2BD3707985}"/>
               </a:ext>
             </a:extLst>
           </p:cNvPr>
@@ -3299,7 +3300,7 @@
           <p:cNvPr id="5" name="Alt Bilgi Yer Tutucusu 4">
             <a:extLst>
               <a:ext uri="{FF2B5EF4-FFF2-40B4-BE49-F238E27FC236}">
-                <a16:creationId xmlns:a16="http://schemas.microsoft.com/office/drawing/2014/main" xmlns="" id="{2CAFB894-A92B-478F-97F6-47B3EEE3F232}"/>
+                <a16:creationId xmlns="" xmlns:a16="http://schemas.microsoft.com/office/drawing/2014/main" id="{2CAFB894-A92B-478F-97F6-47B3EEE3F232}"/>
               </a:ext>
             </a:extLst>
           </p:cNvPr>
@@ -3342,7 +3343,7 @@
           <p:cNvPr id="6" name="Slayt Numarası Yer Tutucusu 5">
             <a:extLst>
               <a:ext uri="{FF2B5EF4-FFF2-40B4-BE49-F238E27FC236}">
-                <a16:creationId xmlns:a16="http://schemas.microsoft.com/office/drawing/2014/main" xmlns="" id="{8C3F9AFF-2275-46E7-BF2C-BDE4B831E587}"/>
+                <a16:creationId xmlns="" xmlns:a16="http://schemas.microsoft.com/office/drawing/2014/main" id="{8C3F9AFF-2275-46E7-BF2C-BDE4B831E587}"/>
               </a:ext>
             </a:extLst>
           </p:cNvPr>
@@ -3710,7 +3711,7 @@
           <p:cNvPr id="5" name="Resim 4">
             <a:extLst>
               <a:ext uri="{FF2B5EF4-FFF2-40B4-BE49-F238E27FC236}">
-                <a16:creationId xmlns:a16="http://schemas.microsoft.com/office/drawing/2014/main" xmlns="" id="{F0484DDC-7BBE-4A92-AA58-CAC5A7878CF1}"/>
+                <a16:creationId xmlns="" xmlns:a16="http://schemas.microsoft.com/office/drawing/2014/main" id="{F0484DDC-7BBE-4A92-AA58-CAC5A7878CF1}"/>
               </a:ext>
             </a:extLst>
           </p:cNvPr>
@@ -3746,7 +3747,7 @@
           <p:cNvPr id="6" name="Picture 2" descr="https://lh5.googleusercontent.com/YzR2oevrwhcz85nqXx9ncoHB2SEwMBXqlY8Xp1l2VSs8cuq5X2HewkE7hsMvsxTAkFeJpNm2xSWW2tLtfXxuDWn0R1B5pd2KpqjGszQ77HShLpwLE5LQ39RDjGpc9K_h-CEMw1EpO_M">
             <a:extLst>
               <a:ext uri="{FF2B5EF4-FFF2-40B4-BE49-F238E27FC236}">
-                <a16:creationId xmlns:a16="http://schemas.microsoft.com/office/drawing/2014/main" xmlns="" id="{1D9169A1-9F86-4EB0-BFE5-32BA4ACD0B50}"/>
+                <a16:creationId xmlns="" xmlns:a16="http://schemas.microsoft.com/office/drawing/2014/main" id="{1D9169A1-9F86-4EB0-BFE5-32BA4ACD0B50}"/>
               </a:ext>
             </a:extLst>
           </p:cNvPr>
@@ -3793,7 +3794,7 @@
           <p:cNvPr id="9" name="Dikdörtgen 8">
             <a:extLst>
               <a:ext uri="{FF2B5EF4-FFF2-40B4-BE49-F238E27FC236}">
-                <a16:creationId xmlns:a16="http://schemas.microsoft.com/office/drawing/2014/main" xmlns="" id="{F42A23C6-A59C-4CDD-A51C-B5BB15CC763E}"/>
+                <a16:creationId xmlns="" xmlns:a16="http://schemas.microsoft.com/office/drawing/2014/main" id="{F42A23C6-A59C-4CDD-A51C-B5BB15CC763E}"/>
               </a:ext>
             </a:extLst>
           </p:cNvPr>
@@ -3890,7 +3891,7 @@
           <p:cNvPr id="2" name="Unvan 1">
             <a:extLst>
               <a:ext uri="{FF2B5EF4-FFF2-40B4-BE49-F238E27FC236}">
-                <a16:creationId xmlns:a16="http://schemas.microsoft.com/office/drawing/2014/main" xmlns="" id="{47ADBC36-5277-4EFF-AE38-8791389B8D41}"/>
+                <a16:creationId xmlns="" xmlns:a16="http://schemas.microsoft.com/office/drawing/2014/main" id="{47ADBC36-5277-4EFF-AE38-8791389B8D41}"/>
               </a:ext>
             </a:extLst>
           </p:cNvPr>
@@ -3963,7 +3964,7 @@
           <p:cNvPr id="4" name="Resim 3">
             <a:extLst>
               <a:ext uri="{FF2B5EF4-FFF2-40B4-BE49-F238E27FC236}">
-                <a16:creationId xmlns:a16="http://schemas.microsoft.com/office/drawing/2014/main" xmlns="" id="{77D5D1C2-FAF4-424A-8EBA-C88AB557596E}"/>
+                <a16:creationId xmlns="" xmlns:a16="http://schemas.microsoft.com/office/drawing/2014/main" id="{77D5D1C2-FAF4-424A-8EBA-C88AB557596E}"/>
               </a:ext>
             </a:extLst>
           </p:cNvPr>
@@ -4036,7 +4037,7 @@
           <p:cNvPr id="2" name="Unvan 1">
             <a:extLst>
               <a:ext uri="{FF2B5EF4-FFF2-40B4-BE49-F238E27FC236}">
-                <a16:creationId xmlns:a16="http://schemas.microsoft.com/office/drawing/2014/main" xmlns="" id="{47ADBC36-5277-4EFF-AE38-8791389B8D41}"/>
+                <a16:creationId xmlns="" xmlns:a16="http://schemas.microsoft.com/office/drawing/2014/main" id="{47ADBC36-5277-4EFF-AE38-8791389B8D41}"/>
               </a:ext>
             </a:extLst>
           </p:cNvPr>
@@ -4070,7 +4071,7 @@
           <p:cNvPr id="4" name="Resim 3">
             <a:extLst>
               <a:ext uri="{FF2B5EF4-FFF2-40B4-BE49-F238E27FC236}">
-                <a16:creationId xmlns:a16="http://schemas.microsoft.com/office/drawing/2014/main" xmlns="" id="{77D5D1C2-FAF4-424A-8EBA-C88AB557596E}"/>
+                <a16:creationId xmlns="" xmlns:a16="http://schemas.microsoft.com/office/drawing/2014/main" id="{77D5D1C2-FAF4-424A-8EBA-C88AB557596E}"/>
               </a:ext>
             </a:extLst>
           </p:cNvPr>
@@ -4174,7 +4175,7 @@
           <p:cNvPr id="2" name="Unvan 1">
             <a:extLst>
               <a:ext uri="{FF2B5EF4-FFF2-40B4-BE49-F238E27FC236}">
-                <a16:creationId xmlns:a16="http://schemas.microsoft.com/office/drawing/2014/main" xmlns="" id="{47ADBC36-5277-4EFF-AE38-8791389B8D41}"/>
+                <a16:creationId xmlns="" xmlns:a16="http://schemas.microsoft.com/office/drawing/2014/main" id="{47ADBC36-5277-4EFF-AE38-8791389B8D41}"/>
               </a:ext>
             </a:extLst>
           </p:cNvPr>
@@ -4208,7 +4209,7 @@
           <p:cNvPr id="4" name="Resim 3">
             <a:extLst>
               <a:ext uri="{FF2B5EF4-FFF2-40B4-BE49-F238E27FC236}">
-                <a16:creationId xmlns:a16="http://schemas.microsoft.com/office/drawing/2014/main" xmlns="" id="{77D5D1C2-FAF4-424A-8EBA-C88AB557596E}"/>
+                <a16:creationId xmlns="" xmlns:a16="http://schemas.microsoft.com/office/drawing/2014/main" id="{77D5D1C2-FAF4-424A-8EBA-C88AB557596E}"/>
               </a:ext>
             </a:extLst>
           </p:cNvPr>
@@ -4275,7 +4276,7 @@
           <p:cNvPr id="6" name="Unvan 1">
             <a:extLst>
               <a:ext uri="{FF2B5EF4-FFF2-40B4-BE49-F238E27FC236}">
-                <a16:creationId xmlns:a16="http://schemas.microsoft.com/office/drawing/2014/main" xmlns="" id="{47ADBC36-5277-4EFF-AE38-8791389B8D41}"/>
+                <a16:creationId xmlns="" xmlns:a16="http://schemas.microsoft.com/office/drawing/2014/main" id="{47ADBC36-5277-4EFF-AE38-8791389B8D41}"/>
               </a:ext>
             </a:extLst>
           </p:cNvPr>
@@ -4331,7 +4332,7 @@
           <p:cNvPr id="7" name="Unvan 1">
             <a:extLst>
               <a:ext uri="{FF2B5EF4-FFF2-40B4-BE49-F238E27FC236}">
-                <a16:creationId xmlns:a16="http://schemas.microsoft.com/office/drawing/2014/main" xmlns="" id="{47ADBC36-5277-4EFF-AE38-8791389B8D41}"/>
+                <a16:creationId xmlns="" xmlns:a16="http://schemas.microsoft.com/office/drawing/2014/main" id="{47ADBC36-5277-4EFF-AE38-8791389B8D41}"/>
               </a:ext>
             </a:extLst>
           </p:cNvPr>
@@ -4424,7 +4425,7 @@
           <p:cNvPr id="2" name="Unvan 1">
             <a:extLst>
               <a:ext uri="{FF2B5EF4-FFF2-40B4-BE49-F238E27FC236}">
-                <a16:creationId xmlns:a16="http://schemas.microsoft.com/office/drawing/2014/main" xmlns="" id="{47ADBC36-5277-4EFF-AE38-8791389B8D41}"/>
+                <a16:creationId xmlns="" xmlns:a16="http://schemas.microsoft.com/office/drawing/2014/main" id="{47ADBC36-5277-4EFF-AE38-8791389B8D41}"/>
               </a:ext>
             </a:extLst>
           </p:cNvPr>
@@ -4458,7 +4459,7 @@
           <p:cNvPr id="4" name="Resim 3">
             <a:extLst>
               <a:ext uri="{FF2B5EF4-FFF2-40B4-BE49-F238E27FC236}">
-                <a16:creationId xmlns:a16="http://schemas.microsoft.com/office/drawing/2014/main" xmlns="" id="{77D5D1C2-FAF4-424A-8EBA-C88AB557596E}"/>
+                <a16:creationId xmlns="" xmlns:a16="http://schemas.microsoft.com/office/drawing/2014/main" id="{77D5D1C2-FAF4-424A-8EBA-C88AB557596E}"/>
               </a:ext>
             </a:extLst>
           </p:cNvPr>
@@ -4487,37 +4488,6 @@
           <a:prstGeom prst="rect">
             <a:avLst/>
           </a:prstGeom>
-        </p:spPr>
-      </p:pic>
-      <p:pic>
-        <p:nvPicPr>
-          <p:cNvPr id="5" name="Picture 4" descr="https://lh4.googleusercontent.com/vJRJlxbQK2wNEyjF1tLc_VZxTa3F7Tknt0Fgo2VBDK8_2HgT3sNbqtiOLpbHdUmw4hk1I9p5GJC9ijwAyedV5bV67B_ttrQ-h0x6Yn_U8tHsAF1C4bF3XnKzO7gwb16hIxgFK4cS"/>
-          <p:cNvPicPr/>
-          <p:nvPr/>
-        </p:nvPicPr>
-        <p:blipFill rotWithShape="1">
-          <a:blip r:embed="rId3">
-            <a:extLst>
-              <a:ext uri="{28A0092B-C50C-407E-A947-70E740481C1C}">
-                <a14:useLocalDpi xmlns:a14="http://schemas.microsoft.com/office/drawing/2010/main" val="0"/>
-              </a:ext>
-            </a:extLst>
-          </a:blip>
-          <a:srcRect l="45650" t="1570" b="-1"/>
-          <a:stretch/>
-        </p:blipFill>
-        <p:spPr bwMode="auto">
-          <a:xfrm>
-            <a:off x="5438272" y="1315454"/>
-            <a:ext cx="3141779" cy="4799577"/>
-          </a:xfrm>
-          <a:prstGeom prst="rect">
-            <a:avLst/>
-          </a:prstGeom>
-          <a:noFill/>
-          <a:ln>
-            <a:noFill/>
-          </a:ln>
         </p:spPr>
       </p:pic>
       <p:pic>
@@ -4593,7 +4563,7 @@
           <p:cNvPr id="2" name="Unvan 1">
             <a:extLst>
               <a:ext uri="{FF2B5EF4-FFF2-40B4-BE49-F238E27FC236}">
-                <a16:creationId xmlns:a16="http://schemas.microsoft.com/office/drawing/2014/main" xmlns="" id="{47ADBC36-5277-4EFF-AE38-8791389B8D41}"/>
+                <a16:creationId xmlns="" xmlns:a16="http://schemas.microsoft.com/office/drawing/2014/main" id="{47ADBC36-5277-4EFF-AE38-8791389B8D41}"/>
               </a:ext>
             </a:extLst>
           </p:cNvPr>
@@ -4604,14 +4574,19 @@
             <p:ph type="title"/>
           </p:nvPr>
         </p:nvSpPr>
-        <p:spPr/>
+        <p:spPr>
+          <a:xfrm>
+            <a:off x="838199" y="292936"/>
+            <a:ext cx="10976811" cy="1325563"/>
+          </a:xfrm>
+        </p:spPr>
         <p:txBody>
           <a:bodyPr/>
           <a:lstStyle/>
           <a:p>
             <a:r>
               <a:rPr lang="tr-TR" dirty="0" smtClean="0"/>
-              <a:t>Power Supply Unit</a:t>
+              <a:t>Flowchart for the Command Transfer Subsystem</a:t>
             </a:r>
             <a:endParaRPr lang="en-GB" dirty="0"/>
           </a:p>
@@ -4622,7 +4597,171 @@
           <p:cNvPr id="4" name="Resim 3">
             <a:extLst>
               <a:ext uri="{FF2B5EF4-FFF2-40B4-BE49-F238E27FC236}">
-                <a16:creationId xmlns:a16="http://schemas.microsoft.com/office/drawing/2014/main" xmlns="" id="{77D5D1C2-FAF4-424A-8EBA-C88AB557596E}"/>
+                <a16:creationId xmlns="" xmlns:a16="http://schemas.microsoft.com/office/drawing/2014/main" id="{77D5D1C2-FAF4-424A-8EBA-C88AB557596E}"/>
+              </a:ext>
+            </a:extLst>
+          </p:cNvPr>
+          <p:cNvPicPr>
+            <a:picLocks noChangeAspect="1"/>
+          </p:cNvPicPr>
+          <p:nvPr/>
+        </p:nvPicPr>
+        <p:blipFill>
+          <a:blip r:embed="rId2">
+            <a:extLst>
+              <a:ext uri="{28A0092B-C50C-407E-A947-70E740481C1C}">
+                <a14:useLocalDpi xmlns:a14="http://schemas.microsoft.com/office/drawing/2010/main" val="0"/>
+              </a:ext>
+            </a:extLst>
+          </a:blip>
+          <a:stretch>
+            <a:fillRect/>
+          </a:stretch>
+        </p:blipFill>
+        <p:spPr>
+          <a:xfrm>
+            <a:off x="0" y="6115031"/>
+            <a:ext cx="12192000" cy="742969"/>
+          </a:xfrm>
+          <a:prstGeom prst="rect">
+            <a:avLst/>
+          </a:prstGeom>
+        </p:spPr>
+      </p:pic>
+      <p:pic>
+        <p:nvPicPr>
+          <p:cNvPr id="5" name="Picture 4" descr="https://lh4.googleusercontent.com/vJRJlxbQK2wNEyjF1tLc_VZxTa3F7Tknt0Fgo2VBDK8_2HgT3sNbqtiOLpbHdUmw4hk1I9p5GJC9ijwAyedV5bV67B_ttrQ-h0x6Yn_U8tHsAF1C4bF3XnKzO7gwb16hIxgFK4cS"/>
+          <p:cNvPicPr/>
+          <p:nvPr/>
+        </p:nvPicPr>
+        <p:blipFill rotWithShape="1">
+          <a:blip r:embed="rId3">
+            <a:extLst>
+              <a:ext uri="{28A0092B-C50C-407E-A947-70E740481C1C}">
+                <a14:useLocalDpi xmlns:a14="http://schemas.microsoft.com/office/drawing/2010/main" val="0"/>
+              </a:ext>
+            </a:extLst>
+          </a:blip>
+          <a:srcRect l="45650" t="1570" b="-1"/>
+          <a:stretch/>
+        </p:blipFill>
+        <p:spPr bwMode="auto">
+          <a:xfrm>
+            <a:off x="5438272" y="1315454"/>
+            <a:ext cx="3141779" cy="4799577"/>
+          </a:xfrm>
+          <a:prstGeom prst="rect">
+            <a:avLst/>
+          </a:prstGeom>
+          <a:noFill/>
+          <a:ln>
+            <a:noFill/>
+          </a:ln>
+        </p:spPr>
+      </p:pic>
+      <p:pic>
+        <p:nvPicPr>
+          <p:cNvPr id="6" name="Picture 5" descr="https://lh4.googleusercontent.com/vJRJlxbQK2wNEyjF1tLc_VZxTa3F7Tknt0Fgo2VBDK8_2HgT3sNbqtiOLpbHdUmw4hk1I9p5GJC9ijwAyedV5bV67B_ttrQ-h0x6Yn_U8tHsAF1C4bF3XnKzO7gwb16hIxgFK4cS"/>
+          <p:cNvPicPr/>
+          <p:nvPr/>
+        </p:nvPicPr>
+        <p:blipFill rotWithShape="1">
+          <a:blip r:embed="rId3">
+            <a:extLst>
+              <a:ext uri="{28A0092B-C50C-407E-A947-70E740481C1C}">
+                <a14:useLocalDpi xmlns:a14="http://schemas.microsoft.com/office/drawing/2010/main" val="0"/>
+              </a:ext>
+            </a:extLst>
+          </a:blip>
+          <a:srcRect t="1570" r="60524" b="33125"/>
+          <a:stretch/>
+        </p:blipFill>
+        <p:spPr bwMode="auto">
+          <a:xfrm>
+            <a:off x="2203313" y="1938577"/>
+            <a:ext cx="2424834" cy="3299170"/>
+          </a:xfrm>
+          <a:prstGeom prst="rect">
+            <a:avLst/>
+          </a:prstGeom>
+          <a:noFill/>
+          <a:ln>
+            <a:noFill/>
+          </a:ln>
+        </p:spPr>
+      </p:pic>
+    </p:spTree>
+    <p:extLst>
+      <p:ext uri="{BB962C8B-B14F-4D97-AF65-F5344CB8AC3E}">
+        <p14:creationId xmlns:p14="http://schemas.microsoft.com/office/powerpoint/2010/main" val="4188939660"/>
+      </p:ext>
+    </p:extLst>
+  </p:cSld>
+  <p:clrMapOvr>
+    <a:masterClrMapping/>
+  </p:clrMapOvr>
+  <p:timing>
+    <p:tnLst>
+      <p:par>
+        <p:cTn id="1" dur="indefinite" restart="never" nodeType="tmRoot"/>
+      </p:par>
+    </p:tnLst>
+  </p:timing>
+</p:sld>
+</file>
+
+<file path=ppt/slides/slide7.xml><?xml version="1.0" encoding="utf-8"?>
+<p:sld xmlns:a="http://schemas.openxmlformats.org/drawingml/2006/main" xmlns:r="http://schemas.openxmlformats.org/officeDocument/2006/relationships" xmlns:p="http://schemas.openxmlformats.org/presentationml/2006/main">
+  <p:cSld>
+    <p:spTree>
+      <p:nvGrpSpPr>
+        <p:cNvPr id="1" name=""/>
+        <p:cNvGrpSpPr/>
+        <p:nvPr/>
+      </p:nvGrpSpPr>
+      <p:grpSpPr>
+        <a:xfrm>
+          <a:off x="0" y="0"/>
+          <a:ext cx="0" cy="0"/>
+          <a:chOff x="0" y="0"/>
+          <a:chExt cx="0" cy="0"/>
+        </a:xfrm>
+      </p:grpSpPr>
+      <p:sp>
+        <p:nvSpPr>
+          <p:cNvPr id="2" name="Unvan 1">
+            <a:extLst>
+              <a:ext uri="{FF2B5EF4-FFF2-40B4-BE49-F238E27FC236}">
+                <a16:creationId xmlns="" xmlns:a16="http://schemas.microsoft.com/office/drawing/2014/main" id="{47ADBC36-5277-4EFF-AE38-8791389B8D41}"/>
+              </a:ext>
+            </a:extLst>
+          </p:cNvPr>
+          <p:cNvSpPr>
+            <a:spLocks noGrp="1"/>
+          </p:cNvSpPr>
+          <p:nvPr>
+            <p:ph type="title"/>
+          </p:nvPr>
+        </p:nvSpPr>
+        <p:spPr/>
+        <p:txBody>
+          <a:bodyPr/>
+          <a:lstStyle/>
+          <a:p>
+            <a:r>
+              <a:rPr lang="tr-TR" dirty="0" smtClean="0"/>
+              <a:t>Power Supply Unit</a:t>
+            </a:r>
+            <a:endParaRPr lang="en-GB" dirty="0"/>
+          </a:p>
+        </p:txBody>
+      </p:sp>
+      <p:pic>
+        <p:nvPicPr>
+          <p:cNvPr id="4" name="Resim 3">
+            <a:extLst>
+              <a:ext uri="{FF2B5EF4-FFF2-40B4-BE49-F238E27FC236}">
+                <a16:creationId xmlns="" xmlns:a16="http://schemas.microsoft.com/office/drawing/2014/main" id="{77D5D1C2-FAF4-424A-8EBA-C88AB557596E}"/>
               </a:ext>
             </a:extLst>
           </p:cNvPr>

--- a/Troy Tech - Presentation/TROY Mert.pptx
+++ b/Troy Tech - Presentation/TROY Mert.pptx
@@ -203,7 +203,7 @@
           <a:p>
             <a:fld id="{00300142-A8A4-4986-ACA3-5B34693C5658}" type="datetimeFigureOut">
               <a:rPr lang="en-GB" smtClean="0"/>
-              <a:t>27/12/2018</a:t>
+              <a:t>28/12/2018</a:t>
             </a:fld>
             <a:endParaRPr lang="en-GB"/>
           </a:p>
@@ -493,7 +493,7 @@
           <p:cNvPr id="2" name="Unvan 1">
             <a:extLst>
               <a:ext uri="{FF2B5EF4-FFF2-40B4-BE49-F238E27FC236}">
-                <a16:creationId xmlns="" xmlns:a16="http://schemas.microsoft.com/office/drawing/2014/main" id="{9470B9E8-F296-4076-962B-1B8528D8CB6D}"/>
+                <a16:creationId xmlns:a16="http://schemas.microsoft.com/office/drawing/2014/main" xmlns="" id="{9470B9E8-F296-4076-962B-1B8528D8CB6D}"/>
               </a:ext>
             </a:extLst>
           </p:cNvPr>
@@ -531,7 +531,7 @@
           <p:cNvPr id="3" name="Alt Başlık 2">
             <a:extLst>
               <a:ext uri="{FF2B5EF4-FFF2-40B4-BE49-F238E27FC236}">
-                <a16:creationId xmlns="" xmlns:a16="http://schemas.microsoft.com/office/drawing/2014/main" id="{7920E9DB-08C6-4E91-A6F8-9D1ECC2B982A}"/>
+                <a16:creationId xmlns:a16="http://schemas.microsoft.com/office/drawing/2014/main" xmlns="" id="{7920E9DB-08C6-4E91-A6F8-9D1ECC2B982A}"/>
               </a:ext>
             </a:extLst>
           </p:cNvPr>
@@ -602,7 +602,7 @@
           <p:cNvPr id="4" name="Veri Yer Tutucusu 3">
             <a:extLst>
               <a:ext uri="{FF2B5EF4-FFF2-40B4-BE49-F238E27FC236}">
-                <a16:creationId xmlns="" xmlns:a16="http://schemas.microsoft.com/office/drawing/2014/main" id="{6787A392-8D13-4963-B1D6-106579B14328}"/>
+                <a16:creationId xmlns:a16="http://schemas.microsoft.com/office/drawing/2014/main" xmlns="" id="{6787A392-8D13-4963-B1D6-106579B14328}"/>
               </a:ext>
             </a:extLst>
           </p:cNvPr>
@@ -620,7 +620,7 @@
           <a:p>
             <a:fld id="{4DEEB615-8505-4850-8F2D-DDA58E767753}" type="datetimeFigureOut">
               <a:rPr lang="en-GB" smtClean="0"/>
-              <a:t>27/12/2018</a:t>
+              <a:t>28/12/2018</a:t>
             </a:fld>
             <a:endParaRPr lang="en-GB"/>
           </a:p>
@@ -631,7 +631,7 @@
           <p:cNvPr id="5" name="Alt Bilgi Yer Tutucusu 4">
             <a:extLst>
               <a:ext uri="{FF2B5EF4-FFF2-40B4-BE49-F238E27FC236}">
-                <a16:creationId xmlns="" xmlns:a16="http://schemas.microsoft.com/office/drawing/2014/main" id="{0E07BF0E-B6CC-4981-BF5F-339B894BE23D}"/>
+                <a16:creationId xmlns:a16="http://schemas.microsoft.com/office/drawing/2014/main" xmlns="" id="{0E07BF0E-B6CC-4981-BF5F-339B894BE23D}"/>
               </a:ext>
             </a:extLst>
           </p:cNvPr>
@@ -656,7 +656,7 @@
           <p:cNvPr id="6" name="Slayt Numarası Yer Tutucusu 5">
             <a:extLst>
               <a:ext uri="{FF2B5EF4-FFF2-40B4-BE49-F238E27FC236}">
-                <a16:creationId xmlns="" xmlns:a16="http://schemas.microsoft.com/office/drawing/2014/main" id="{EEAF1248-D726-4758-9EE4-3C84BF57AD0A}"/>
+                <a16:creationId xmlns:a16="http://schemas.microsoft.com/office/drawing/2014/main" xmlns="" id="{EEAF1248-D726-4758-9EE4-3C84BF57AD0A}"/>
               </a:ext>
             </a:extLst>
           </p:cNvPr>
@@ -715,7 +715,7 @@
           <p:cNvPr id="2" name="Unvan 1">
             <a:extLst>
               <a:ext uri="{FF2B5EF4-FFF2-40B4-BE49-F238E27FC236}">
-                <a16:creationId xmlns="" xmlns:a16="http://schemas.microsoft.com/office/drawing/2014/main" id="{8B75A959-10C0-4B4A-9E4C-DA1CC9898CF2}"/>
+                <a16:creationId xmlns:a16="http://schemas.microsoft.com/office/drawing/2014/main" xmlns="" id="{8B75A959-10C0-4B4A-9E4C-DA1CC9898CF2}"/>
               </a:ext>
             </a:extLst>
           </p:cNvPr>
@@ -744,7 +744,7 @@
           <p:cNvPr id="3" name="Dikey Metin Yer Tutucusu 2">
             <a:extLst>
               <a:ext uri="{FF2B5EF4-FFF2-40B4-BE49-F238E27FC236}">
-                <a16:creationId xmlns="" xmlns:a16="http://schemas.microsoft.com/office/drawing/2014/main" id="{59FBDA73-0F2A-4314-9475-3F4628F42848}"/>
+                <a16:creationId xmlns:a16="http://schemas.microsoft.com/office/drawing/2014/main" xmlns="" id="{59FBDA73-0F2A-4314-9475-3F4628F42848}"/>
               </a:ext>
             </a:extLst>
           </p:cNvPr>
@@ -802,7 +802,7 @@
           <p:cNvPr id="4" name="Veri Yer Tutucusu 3">
             <a:extLst>
               <a:ext uri="{FF2B5EF4-FFF2-40B4-BE49-F238E27FC236}">
-                <a16:creationId xmlns="" xmlns:a16="http://schemas.microsoft.com/office/drawing/2014/main" id="{4E82A514-64A4-4D17-AF45-A73D24D5B630}"/>
+                <a16:creationId xmlns:a16="http://schemas.microsoft.com/office/drawing/2014/main" xmlns="" id="{4E82A514-64A4-4D17-AF45-A73D24D5B630}"/>
               </a:ext>
             </a:extLst>
           </p:cNvPr>
@@ -820,7 +820,7 @@
           <a:p>
             <a:fld id="{4DEEB615-8505-4850-8F2D-DDA58E767753}" type="datetimeFigureOut">
               <a:rPr lang="en-GB" smtClean="0"/>
-              <a:t>27/12/2018</a:t>
+              <a:t>28/12/2018</a:t>
             </a:fld>
             <a:endParaRPr lang="en-GB"/>
           </a:p>
@@ -831,7 +831,7 @@
           <p:cNvPr id="5" name="Alt Bilgi Yer Tutucusu 4">
             <a:extLst>
               <a:ext uri="{FF2B5EF4-FFF2-40B4-BE49-F238E27FC236}">
-                <a16:creationId xmlns="" xmlns:a16="http://schemas.microsoft.com/office/drawing/2014/main" id="{93D1E74F-6F38-459C-AE76-E6E5F100CBEB}"/>
+                <a16:creationId xmlns:a16="http://schemas.microsoft.com/office/drawing/2014/main" xmlns="" id="{93D1E74F-6F38-459C-AE76-E6E5F100CBEB}"/>
               </a:ext>
             </a:extLst>
           </p:cNvPr>
@@ -856,7 +856,7 @@
           <p:cNvPr id="6" name="Slayt Numarası Yer Tutucusu 5">
             <a:extLst>
               <a:ext uri="{FF2B5EF4-FFF2-40B4-BE49-F238E27FC236}">
-                <a16:creationId xmlns="" xmlns:a16="http://schemas.microsoft.com/office/drawing/2014/main" id="{688552E6-D237-48F0-B6E7-51E2FC654973}"/>
+                <a16:creationId xmlns:a16="http://schemas.microsoft.com/office/drawing/2014/main" xmlns="" id="{688552E6-D237-48F0-B6E7-51E2FC654973}"/>
               </a:ext>
             </a:extLst>
           </p:cNvPr>
@@ -915,7 +915,7 @@
           <p:cNvPr id="2" name="Dikey Başlık 1">
             <a:extLst>
               <a:ext uri="{FF2B5EF4-FFF2-40B4-BE49-F238E27FC236}">
-                <a16:creationId xmlns="" xmlns:a16="http://schemas.microsoft.com/office/drawing/2014/main" id="{8DA3455B-CCDA-4D5D-8095-C068FA5417BB}"/>
+                <a16:creationId xmlns:a16="http://schemas.microsoft.com/office/drawing/2014/main" xmlns="" id="{8DA3455B-CCDA-4D5D-8095-C068FA5417BB}"/>
               </a:ext>
             </a:extLst>
           </p:cNvPr>
@@ -949,7 +949,7 @@
           <p:cNvPr id="3" name="Dikey Metin Yer Tutucusu 2">
             <a:extLst>
               <a:ext uri="{FF2B5EF4-FFF2-40B4-BE49-F238E27FC236}">
-                <a16:creationId xmlns="" xmlns:a16="http://schemas.microsoft.com/office/drawing/2014/main" id="{3EA18479-B9B6-4D5D-B0B7-29FCC3677C07}"/>
+                <a16:creationId xmlns:a16="http://schemas.microsoft.com/office/drawing/2014/main" xmlns="" id="{3EA18479-B9B6-4D5D-B0B7-29FCC3677C07}"/>
               </a:ext>
             </a:extLst>
           </p:cNvPr>
@@ -1012,7 +1012,7 @@
           <p:cNvPr id="4" name="Veri Yer Tutucusu 3">
             <a:extLst>
               <a:ext uri="{FF2B5EF4-FFF2-40B4-BE49-F238E27FC236}">
-                <a16:creationId xmlns="" xmlns:a16="http://schemas.microsoft.com/office/drawing/2014/main" id="{54967EBF-6ADE-4C62-8EC6-293DC9952ED0}"/>
+                <a16:creationId xmlns:a16="http://schemas.microsoft.com/office/drawing/2014/main" xmlns="" id="{54967EBF-6ADE-4C62-8EC6-293DC9952ED0}"/>
               </a:ext>
             </a:extLst>
           </p:cNvPr>
@@ -1030,7 +1030,7 @@
           <a:p>
             <a:fld id="{4DEEB615-8505-4850-8F2D-DDA58E767753}" type="datetimeFigureOut">
               <a:rPr lang="en-GB" smtClean="0"/>
-              <a:t>27/12/2018</a:t>
+              <a:t>28/12/2018</a:t>
             </a:fld>
             <a:endParaRPr lang="en-GB"/>
           </a:p>
@@ -1041,7 +1041,7 @@
           <p:cNvPr id="5" name="Alt Bilgi Yer Tutucusu 4">
             <a:extLst>
               <a:ext uri="{FF2B5EF4-FFF2-40B4-BE49-F238E27FC236}">
-                <a16:creationId xmlns="" xmlns:a16="http://schemas.microsoft.com/office/drawing/2014/main" id="{A6CE1C30-B851-438A-BC84-82B0A0C27A09}"/>
+                <a16:creationId xmlns:a16="http://schemas.microsoft.com/office/drawing/2014/main" xmlns="" id="{A6CE1C30-B851-438A-BC84-82B0A0C27A09}"/>
               </a:ext>
             </a:extLst>
           </p:cNvPr>
@@ -1066,7 +1066,7 @@
           <p:cNvPr id="6" name="Slayt Numarası Yer Tutucusu 5">
             <a:extLst>
               <a:ext uri="{FF2B5EF4-FFF2-40B4-BE49-F238E27FC236}">
-                <a16:creationId xmlns="" xmlns:a16="http://schemas.microsoft.com/office/drawing/2014/main" id="{1F74F23F-28D9-4E5F-A36A-4E50E3F7BCB8}"/>
+                <a16:creationId xmlns:a16="http://schemas.microsoft.com/office/drawing/2014/main" xmlns="" id="{1F74F23F-28D9-4E5F-A36A-4E50E3F7BCB8}"/>
               </a:ext>
             </a:extLst>
           </p:cNvPr>
@@ -1125,7 +1125,7 @@
           <p:cNvPr id="2" name="Unvan 1">
             <a:extLst>
               <a:ext uri="{FF2B5EF4-FFF2-40B4-BE49-F238E27FC236}">
-                <a16:creationId xmlns="" xmlns:a16="http://schemas.microsoft.com/office/drawing/2014/main" id="{A94ED8A3-EAC3-4206-A94B-4D711AF70C48}"/>
+                <a16:creationId xmlns:a16="http://schemas.microsoft.com/office/drawing/2014/main" xmlns="" id="{A94ED8A3-EAC3-4206-A94B-4D711AF70C48}"/>
               </a:ext>
             </a:extLst>
           </p:cNvPr>
@@ -1154,7 +1154,7 @@
           <p:cNvPr id="3" name="İçerik Yer Tutucusu 2">
             <a:extLst>
               <a:ext uri="{FF2B5EF4-FFF2-40B4-BE49-F238E27FC236}">
-                <a16:creationId xmlns="" xmlns:a16="http://schemas.microsoft.com/office/drawing/2014/main" id="{D51F4699-CF75-4792-B00E-81359457770B}"/>
+                <a16:creationId xmlns:a16="http://schemas.microsoft.com/office/drawing/2014/main" xmlns="" id="{D51F4699-CF75-4792-B00E-81359457770B}"/>
               </a:ext>
             </a:extLst>
           </p:cNvPr>
@@ -1212,7 +1212,7 @@
           <p:cNvPr id="4" name="Veri Yer Tutucusu 3">
             <a:extLst>
               <a:ext uri="{FF2B5EF4-FFF2-40B4-BE49-F238E27FC236}">
-                <a16:creationId xmlns="" xmlns:a16="http://schemas.microsoft.com/office/drawing/2014/main" id="{1325EFD4-BBD7-4D71-9AE1-45AC946DF538}"/>
+                <a16:creationId xmlns:a16="http://schemas.microsoft.com/office/drawing/2014/main" xmlns="" id="{1325EFD4-BBD7-4D71-9AE1-45AC946DF538}"/>
               </a:ext>
             </a:extLst>
           </p:cNvPr>
@@ -1230,7 +1230,7 @@
           <a:p>
             <a:fld id="{4DEEB615-8505-4850-8F2D-DDA58E767753}" type="datetimeFigureOut">
               <a:rPr lang="en-GB" smtClean="0"/>
-              <a:t>27/12/2018</a:t>
+              <a:t>28/12/2018</a:t>
             </a:fld>
             <a:endParaRPr lang="en-GB"/>
           </a:p>
@@ -1241,7 +1241,7 @@
           <p:cNvPr id="5" name="Alt Bilgi Yer Tutucusu 4">
             <a:extLst>
               <a:ext uri="{FF2B5EF4-FFF2-40B4-BE49-F238E27FC236}">
-                <a16:creationId xmlns="" xmlns:a16="http://schemas.microsoft.com/office/drawing/2014/main" id="{220002B5-7B8C-45A4-A8C1-2218E8FB58B9}"/>
+                <a16:creationId xmlns:a16="http://schemas.microsoft.com/office/drawing/2014/main" xmlns="" id="{220002B5-7B8C-45A4-A8C1-2218E8FB58B9}"/>
               </a:ext>
             </a:extLst>
           </p:cNvPr>
@@ -1266,7 +1266,7 @@
           <p:cNvPr id="6" name="Slayt Numarası Yer Tutucusu 5">
             <a:extLst>
               <a:ext uri="{FF2B5EF4-FFF2-40B4-BE49-F238E27FC236}">
-                <a16:creationId xmlns="" xmlns:a16="http://schemas.microsoft.com/office/drawing/2014/main" id="{40C6F471-0AD7-4EFA-8E79-1DFE909A9AA3}"/>
+                <a16:creationId xmlns:a16="http://schemas.microsoft.com/office/drawing/2014/main" xmlns="" id="{40C6F471-0AD7-4EFA-8E79-1DFE909A9AA3}"/>
               </a:ext>
             </a:extLst>
           </p:cNvPr>
@@ -1325,7 +1325,7 @@
           <p:cNvPr id="2" name="Unvan 1">
             <a:extLst>
               <a:ext uri="{FF2B5EF4-FFF2-40B4-BE49-F238E27FC236}">
-                <a16:creationId xmlns="" xmlns:a16="http://schemas.microsoft.com/office/drawing/2014/main" id="{EA2DF68A-5FFA-49EE-8415-284C43E6B292}"/>
+                <a16:creationId xmlns:a16="http://schemas.microsoft.com/office/drawing/2014/main" xmlns="" id="{EA2DF68A-5FFA-49EE-8415-284C43E6B292}"/>
               </a:ext>
             </a:extLst>
           </p:cNvPr>
@@ -1363,7 +1363,7 @@
           <p:cNvPr id="3" name="Metin Yer Tutucusu 2">
             <a:extLst>
               <a:ext uri="{FF2B5EF4-FFF2-40B4-BE49-F238E27FC236}">
-                <a16:creationId xmlns="" xmlns:a16="http://schemas.microsoft.com/office/drawing/2014/main" id="{E6B9FD20-FF99-4B01-A3A2-019AC96FB6B5}"/>
+                <a16:creationId xmlns:a16="http://schemas.microsoft.com/office/drawing/2014/main" xmlns="" id="{E6B9FD20-FF99-4B01-A3A2-019AC96FB6B5}"/>
               </a:ext>
             </a:extLst>
           </p:cNvPr>
@@ -1488,7 +1488,7 @@
           <p:cNvPr id="4" name="Veri Yer Tutucusu 3">
             <a:extLst>
               <a:ext uri="{FF2B5EF4-FFF2-40B4-BE49-F238E27FC236}">
-                <a16:creationId xmlns="" xmlns:a16="http://schemas.microsoft.com/office/drawing/2014/main" id="{E174277A-72BA-4948-B6A4-78E5C19D89B0}"/>
+                <a16:creationId xmlns:a16="http://schemas.microsoft.com/office/drawing/2014/main" xmlns="" id="{E174277A-72BA-4948-B6A4-78E5C19D89B0}"/>
               </a:ext>
             </a:extLst>
           </p:cNvPr>
@@ -1506,7 +1506,7 @@
           <a:p>
             <a:fld id="{4DEEB615-8505-4850-8F2D-DDA58E767753}" type="datetimeFigureOut">
               <a:rPr lang="en-GB" smtClean="0"/>
-              <a:t>27/12/2018</a:t>
+              <a:t>28/12/2018</a:t>
             </a:fld>
             <a:endParaRPr lang="en-GB"/>
           </a:p>
@@ -1517,7 +1517,7 @@
           <p:cNvPr id="5" name="Alt Bilgi Yer Tutucusu 4">
             <a:extLst>
               <a:ext uri="{FF2B5EF4-FFF2-40B4-BE49-F238E27FC236}">
-                <a16:creationId xmlns="" xmlns:a16="http://schemas.microsoft.com/office/drawing/2014/main" id="{F7D3D3C4-43B4-40DD-9A3F-8DC883C5738A}"/>
+                <a16:creationId xmlns:a16="http://schemas.microsoft.com/office/drawing/2014/main" xmlns="" id="{F7D3D3C4-43B4-40DD-9A3F-8DC883C5738A}"/>
               </a:ext>
             </a:extLst>
           </p:cNvPr>
@@ -1542,7 +1542,7 @@
           <p:cNvPr id="6" name="Slayt Numarası Yer Tutucusu 5">
             <a:extLst>
               <a:ext uri="{FF2B5EF4-FFF2-40B4-BE49-F238E27FC236}">
-                <a16:creationId xmlns="" xmlns:a16="http://schemas.microsoft.com/office/drawing/2014/main" id="{97EC7BAC-44D0-4093-8954-A873911C7260}"/>
+                <a16:creationId xmlns:a16="http://schemas.microsoft.com/office/drawing/2014/main" xmlns="" id="{97EC7BAC-44D0-4093-8954-A873911C7260}"/>
               </a:ext>
             </a:extLst>
           </p:cNvPr>
@@ -1601,7 +1601,7 @@
           <p:cNvPr id="2" name="Unvan 1">
             <a:extLst>
               <a:ext uri="{FF2B5EF4-FFF2-40B4-BE49-F238E27FC236}">
-                <a16:creationId xmlns="" xmlns:a16="http://schemas.microsoft.com/office/drawing/2014/main" id="{A867AB42-1A2C-4381-8BD8-3A68FF69420D}"/>
+                <a16:creationId xmlns:a16="http://schemas.microsoft.com/office/drawing/2014/main" xmlns="" id="{A867AB42-1A2C-4381-8BD8-3A68FF69420D}"/>
               </a:ext>
             </a:extLst>
           </p:cNvPr>
@@ -1630,7 +1630,7 @@
           <p:cNvPr id="3" name="İçerik Yer Tutucusu 2">
             <a:extLst>
               <a:ext uri="{FF2B5EF4-FFF2-40B4-BE49-F238E27FC236}">
-                <a16:creationId xmlns="" xmlns:a16="http://schemas.microsoft.com/office/drawing/2014/main" id="{CCA400F1-8E1E-428E-8B20-F327721914AA}"/>
+                <a16:creationId xmlns:a16="http://schemas.microsoft.com/office/drawing/2014/main" xmlns="" id="{CCA400F1-8E1E-428E-8B20-F327721914AA}"/>
               </a:ext>
             </a:extLst>
           </p:cNvPr>
@@ -1693,7 +1693,7 @@
           <p:cNvPr id="4" name="İçerik Yer Tutucusu 3">
             <a:extLst>
               <a:ext uri="{FF2B5EF4-FFF2-40B4-BE49-F238E27FC236}">
-                <a16:creationId xmlns="" xmlns:a16="http://schemas.microsoft.com/office/drawing/2014/main" id="{780AEE74-3385-4778-8FAF-0D9EC4A65A89}"/>
+                <a16:creationId xmlns:a16="http://schemas.microsoft.com/office/drawing/2014/main" xmlns="" id="{780AEE74-3385-4778-8FAF-0D9EC4A65A89}"/>
               </a:ext>
             </a:extLst>
           </p:cNvPr>
@@ -1756,7 +1756,7 @@
           <p:cNvPr id="5" name="Veri Yer Tutucusu 4">
             <a:extLst>
               <a:ext uri="{FF2B5EF4-FFF2-40B4-BE49-F238E27FC236}">
-                <a16:creationId xmlns="" xmlns:a16="http://schemas.microsoft.com/office/drawing/2014/main" id="{C43E0F01-CB40-4981-9883-B9DF4F842586}"/>
+                <a16:creationId xmlns:a16="http://schemas.microsoft.com/office/drawing/2014/main" xmlns="" id="{C43E0F01-CB40-4981-9883-B9DF4F842586}"/>
               </a:ext>
             </a:extLst>
           </p:cNvPr>
@@ -1774,7 +1774,7 @@
           <a:p>
             <a:fld id="{4DEEB615-8505-4850-8F2D-DDA58E767753}" type="datetimeFigureOut">
               <a:rPr lang="en-GB" smtClean="0"/>
-              <a:t>27/12/2018</a:t>
+              <a:t>28/12/2018</a:t>
             </a:fld>
             <a:endParaRPr lang="en-GB"/>
           </a:p>
@@ -1785,7 +1785,7 @@
           <p:cNvPr id="6" name="Alt Bilgi Yer Tutucusu 5">
             <a:extLst>
               <a:ext uri="{FF2B5EF4-FFF2-40B4-BE49-F238E27FC236}">
-                <a16:creationId xmlns="" xmlns:a16="http://schemas.microsoft.com/office/drawing/2014/main" id="{5CC2F9AE-B5E6-41AA-B388-9475B29A1A3F}"/>
+                <a16:creationId xmlns:a16="http://schemas.microsoft.com/office/drawing/2014/main" xmlns="" id="{5CC2F9AE-B5E6-41AA-B388-9475B29A1A3F}"/>
               </a:ext>
             </a:extLst>
           </p:cNvPr>
@@ -1810,7 +1810,7 @@
           <p:cNvPr id="7" name="Slayt Numarası Yer Tutucusu 6">
             <a:extLst>
               <a:ext uri="{FF2B5EF4-FFF2-40B4-BE49-F238E27FC236}">
-                <a16:creationId xmlns="" xmlns:a16="http://schemas.microsoft.com/office/drawing/2014/main" id="{B83F9B13-B52E-4864-AE58-0B33EC41D429}"/>
+                <a16:creationId xmlns:a16="http://schemas.microsoft.com/office/drawing/2014/main" xmlns="" id="{B83F9B13-B52E-4864-AE58-0B33EC41D429}"/>
               </a:ext>
             </a:extLst>
           </p:cNvPr>
@@ -1869,7 +1869,7 @@
           <p:cNvPr id="2" name="Unvan 1">
             <a:extLst>
               <a:ext uri="{FF2B5EF4-FFF2-40B4-BE49-F238E27FC236}">
-                <a16:creationId xmlns="" xmlns:a16="http://schemas.microsoft.com/office/drawing/2014/main" id="{E0582259-E66D-46D0-9A65-817FC5B58197}"/>
+                <a16:creationId xmlns:a16="http://schemas.microsoft.com/office/drawing/2014/main" xmlns="" id="{E0582259-E66D-46D0-9A65-817FC5B58197}"/>
               </a:ext>
             </a:extLst>
           </p:cNvPr>
@@ -1903,7 +1903,7 @@
           <p:cNvPr id="3" name="Metin Yer Tutucusu 2">
             <a:extLst>
               <a:ext uri="{FF2B5EF4-FFF2-40B4-BE49-F238E27FC236}">
-                <a16:creationId xmlns="" xmlns:a16="http://schemas.microsoft.com/office/drawing/2014/main" id="{2669CB0F-88FA-4AE2-99ED-6AAC9448D478}"/>
+                <a16:creationId xmlns:a16="http://schemas.microsoft.com/office/drawing/2014/main" xmlns="" id="{2669CB0F-88FA-4AE2-99ED-6AAC9448D478}"/>
               </a:ext>
             </a:extLst>
           </p:cNvPr>
@@ -1974,7 +1974,7 @@
           <p:cNvPr id="4" name="İçerik Yer Tutucusu 3">
             <a:extLst>
               <a:ext uri="{FF2B5EF4-FFF2-40B4-BE49-F238E27FC236}">
-                <a16:creationId xmlns="" xmlns:a16="http://schemas.microsoft.com/office/drawing/2014/main" id="{26AE507E-F66B-4BAD-8369-7F33835B9767}"/>
+                <a16:creationId xmlns:a16="http://schemas.microsoft.com/office/drawing/2014/main" xmlns="" id="{26AE507E-F66B-4BAD-8369-7F33835B9767}"/>
               </a:ext>
             </a:extLst>
           </p:cNvPr>
@@ -2037,7 +2037,7 @@
           <p:cNvPr id="5" name="Metin Yer Tutucusu 4">
             <a:extLst>
               <a:ext uri="{FF2B5EF4-FFF2-40B4-BE49-F238E27FC236}">
-                <a16:creationId xmlns="" xmlns:a16="http://schemas.microsoft.com/office/drawing/2014/main" id="{5CA46A59-AD9C-46E0-B56B-9D321D2C4F33}"/>
+                <a16:creationId xmlns:a16="http://schemas.microsoft.com/office/drawing/2014/main" xmlns="" id="{5CA46A59-AD9C-46E0-B56B-9D321D2C4F33}"/>
               </a:ext>
             </a:extLst>
           </p:cNvPr>
@@ -2108,7 +2108,7 @@
           <p:cNvPr id="6" name="İçerik Yer Tutucusu 5">
             <a:extLst>
               <a:ext uri="{FF2B5EF4-FFF2-40B4-BE49-F238E27FC236}">
-                <a16:creationId xmlns="" xmlns:a16="http://schemas.microsoft.com/office/drawing/2014/main" id="{1E67CBD9-FA2B-470D-A7B8-3F20199D4EB5}"/>
+                <a16:creationId xmlns:a16="http://schemas.microsoft.com/office/drawing/2014/main" xmlns="" id="{1E67CBD9-FA2B-470D-A7B8-3F20199D4EB5}"/>
               </a:ext>
             </a:extLst>
           </p:cNvPr>
@@ -2171,7 +2171,7 @@
           <p:cNvPr id="7" name="Veri Yer Tutucusu 6">
             <a:extLst>
               <a:ext uri="{FF2B5EF4-FFF2-40B4-BE49-F238E27FC236}">
-                <a16:creationId xmlns="" xmlns:a16="http://schemas.microsoft.com/office/drawing/2014/main" id="{1FEEE973-0A23-4A0A-BF91-B8E7F4AC65C4}"/>
+                <a16:creationId xmlns:a16="http://schemas.microsoft.com/office/drawing/2014/main" xmlns="" id="{1FEEE973-0A23-4A0A-BF91-B8E7F4AC65C4}"/>
               </a:ext>
             </a:extLst>
           </p:cNvPr>
@@ -2189,7 +2189,7 @@
           <a:p>
             <a:fld id="{4DEEB615-8505-4850-8F2D-DDA58E767753}" type="datetimeFigureOut">
               <a:rPr lang="en-GB" smtClean="0"/>
-              <a:t>27/12/2018</a:t>
+              <a:t>28/12/2018</a:t>
             </a:fld>
             <a:endParaRPr lang="en-GB"/>
           </a:p>
@@ -2200,7 +2200,7 @@
           <p:cNvPr id="8" name="Alt Bilgi Yer Tutucusu 7">
             <a:extLst>
               <a:ext uri="{FF2B5EF4-FFF2-40B4-BE49-F238E27FC236}">
-                <a16:creationId xmlns="" xmlns:a16="http://schemas.microsoft.com/office/drawing/2014/main" id="{C00B43EB-388E-46E0-9BBE-51F3F56E8399}"/>
+                <a16:creationId xmlns:a16="http://schemas.microsoft.com/office/drawing/2014/main" xmlns="" id="{C00B43EB-388E-46E0-9BBE-51F3F56E8399}"/>
               </a:ext>
             </a:extLst>
           </p:cNvPr>
@@ -2225,7 +2225,7 @@
           <p:cNvPr id="9" name="Slayt Numarası Yer Tutucusu 8">
             <a:extLst>
               <a:ext uri="{FF2B5EF4-FFF2-40B4-BE49-F238E27FC236}">
-                <a16:creationId xmlns="" xmlns:a16="http://schemas.microsoft.com/office/drawing/2014/main" id="{50A987E2-F5CC-4330-9379-7CA8939A1D79}"/>
+                <a16:creationId xmlns:a16="http://schemas.microsoft.com/office/drawing/2014/main" xmlns="" id="{50A987E2-F5CC-4330-9379-7CA8939A1D79}"/>
               </a:ext>
             </a:extLst>
           </p:cNvPr>
@@ -2284,7 +2284,7 @@
           <p:cNvPr id="2" name="Unvan 1">
             <a:extLst>
               <a:ext uri="{FF2B5EF4-FFF2-40B4-BE49-F238E27FC236}">
-                <a16:creationId xmlns="" xmlns:a16="http://schemas.microsoft.com/office/drawing/2014/main" id="{547BB290-5308-4392-A316-BA0E73E26BAD}"/>
+                <a16:creationId xmlns:a16="http://schemas.microsoft.com/office/drawing/2014/main" xmlns="" id="{547BB290-5308-4392-A316-BA0E73E26BAD}"/>
               </a:ext>
             </a:extLst>
           </p:cNvPr>
@@ -2313,7 +2313,7 @@
           <p:cNvPr id="3" name="Veri Yer Tutucusu 2">
             <a:extLst>
               <a:ext uri="{FF2B5EF4-FFF2-40B4-BE49-F238E27FC236}">
-                <a16:creationId xmlns="" xmlns:a16="http://schemas.microsoft.com/office/drawing/2014/main" id="{8CEFA0A5-B01D-4FAE-A670-E2637B5CEA5E}"/>
+                <a16:creationId xmlns:a16="http://schemas.microsoft.com/office/drawing/2014/main" xmlns="" id="{8CEFA0A5-B01D-4FAE-A670-E2637B5CEA5E}"/>
               </a:ext>
             </a:extLst>
           </p:cNvPr>
@@ -2331,7 +2331,7 @@
           <a:p>
             <a:fld id="{4DEEB615-8505-4850-8F2D-DDA58E767753}" type="datetimeFigureOut">
               <a:rPr lang="en-GB" smtClean="0"/>
-              <a:t>27/12/2018</a:t>
+              <a:t>28/12/2018</a:t>
             </a:fld>
             <a:endParaRPr lang="en-GB"/>
           </a:p>
@@ -2342,7 +2342,7 @@
           <p:cNvPr id="4" name="Alt Bilgi Yer Tutucusu 3">
             <a:extLst>
               <a:ext uri="{FF2B5EF4-FFF2-40B4-BE49-F238E27FC236}">
-                <a16:creationId xmlns="" xmlns:a16="http://schemas.microsoft.com/office/drawing/2014/main" id="{9C21E9D0-275E-4FEB-9E42-2590235AE6B5}"/>
+                <a16:creationId xmlns:a16="http://schemas.microsoft.com/office/drawing/2014/main" xmlns="" id="{9C21E9D0-275E-4FEB-9E42-2590235AE6B5}"/>
               </a:ext>
             </a:extLst>
           </p:cNvPr>
@@ -2367,7 +2367,7 @@
           <p:cNvPr id="5" name="Slayt Numarası Yer Tutucusu 4">
             <a:extLst>
               <a:ext uri="{FF2B5EF4-FFF2-40B4-BE49-F238E27FC236}">
-                <a16:creationId xmlns="" xmlns:a16="http://schemas.microsoft.com/office/drawing/2014/main" id="{13063114-F55E-4B48-ADB8-B36480455B1E}"/>
+                <a16:creationId xmlns:a16="http://schemas.microsoft.com/office/drawing/2014/main" xmlns="" id="{13063114-F55E-4B48-ADB8-B36480455B1E}"/>
               </a:ext>
             </a:extLst>
           </p:cNvPr>
@@ -2426,7 +2426,7 @@
           <p:cNvPr id="2" name="Veri Yer Tutucusu 1">
             <a:extLst>
               <a:ext uri="{FF2B5EF4-FFF2-40B4-BE49-F238E27FC236}">
-                <a16:creationId xmlns="" xmlns:a16="http://schemas.microsoft.com/office/drawing/2014/main" id="{456392B7-6085-43CD-A6B4-22121650A9AA}"/>
+                <a16:creationId xmlns:a16="http://schemas.microsoft.com/office/drawing/2014/main" xmlns="" id="{456392B7-6085-43CD-A6B4-22121650A9AA}"/>
               </a:ext>
             </a:extLst>
           </p:cNvPr>
@@ -2444,7 +2444,7 @@
           <a:p>
             <a:fld id="{4DEEB615-8505-4850-8F2D-DDA58E767753}" type="datetimeFigureOut">
               <a:rPr lang="en-GB" smtClean="0"/>
-              <a:t>27/12/2018</a:t>
+              <a:t>28/12/2018</a:t>
             </a:fld>
             <a:endParaRPr lang="en-GB"/>
           </a:p>
@@ -2455,7 +2455,7 @@
           <p:cNvPr id="3" name="Alt Bilgi Yer Tutucusu 2">
             <a:extLst>
               <a:ext uri="{FF2B5EF4-FFF2-40B4-BE49-F238E27FC236}">
-                <a16:creationId xmlns="" xmlns:a16="http://schemas.microsoft.com/office/drawing/2014/main" id="{1EE766F7-61CF-460A-B202-A40D05F5E817}"/>
+                <a16:creationId xmlns:a16="http://schemas.microsoft.com/office/drawing/2014/main" xmlns="" id="{1EE766F7-61CF-460A-B202-A40D05F5E817}"/>
               </a:ext>
             </a:extLst>
           </p:cNvPr>
@@ -2480,7 +2480,7 @@
           <p:cNvPr id="4" name="Slayt Numarası Yer Tutucusu 3">
             <a:extLst>
               <a:ext uri="{FF2B5EF4-FFF2-40B4-BE49-F238E27FC236}">
-                <a16:creationId xmlns="" xmlns:a16="http://schemas.microsoft.com/office/drawing/2014/main" id="{F9041F1D-B418-4773-B6B9-B758FE210FF0}"/>
+                <a16:creationId xmlns:a16="http://schemas.microsoft.com/office/drawing/2014/main" xmlns="" id="{F9041F1D-B418-4773-B6B9-B758FE210FF0}"/>
               </a:ext>
             </a:extLst>
           </p:cNvPr>
@@ -2539,7 +2539,7 @@
           <p:cNvPr id="2" name="Unvan 1">
             <a:extLst>
               <a:ext uri="{FF2B5EF4-FFF2-40B4-BE49-F238E27FC236}">
-                <a16:creationId xmlns="" xmlns:a16="http://schemas.microsoft.com/office/drawing/2014/main" id="{347EC9F9-351D-4E97-8516-EFF46FCEE4E6}"/>
+                <a16:creationId xmlns:a16="http://schemas.microsoft.com/office/drawing/2014/main" xmlns="" id="{347EC9F9-351D-4E97-8516-EFF46FCEE4E6}"/>
               </a:ext>
             </a:extLst>
           </p:cNvPr>
@@ -2577,7 +2577,7 @@
           <p:cNvPr id="3" name="İçerik Yer Tutucusu 2">
             <a:extLst>
               <a:ext uri="{FF2B5EF4-FFF2-40B4-BE49-F238E27FC236}">
-                <a16:creationId xmlns="" xmlns:a16="http://schemas.microsoft.com/office/drawing/2014/main" id="{02309FAE-0B53-4CB4-BA5C-DB5D18A789C9}"/>
+                <a16:creationId xmlns:a16="http://schemas.microsoft.com/office/drawing/2014/main" xmlns="" id="{02309FAE-0B53-4CB4-BA5C-DB5D18A789C9}"/>
               </a:ext>
             </a:extLst>
           </p:cNvPr>
@@ -2668,7 +2668,7 @@
           <p:cNvPr id="4" name="Metin Yer Tutucusu 3">
             <a:extLst>
               <a:ext uri="{FF2B5EF4-FFF2-40B4-BE49-F238E27FC236}">
-                <a16:creationId xmlns="" xmlns:a16="http://schemas.microsoft.com/office/drawing/2014/main" id="{573E1475-1FAB-430F-A02B-578C5C723BE3}"/>
+                <a16:creationId xmlns:a16="http://schemas.microsoft.com/office/drawing/2014/main" xmlns="" id="{573E1475-1FAB-430F-A02B-578C5C723BE3}"/>
               </a:ext>
             </a:extLst>
           </p:cNvPr>
@@ -2739,7 +2739,7 @@
           <p:cNvPr id="5" name="Veri Yer Tutucusu 4">
             <a:extLst>
               <a:ext uri="{FF2B5EF4-FFF2-40B4-BE49-F238E27FC236}">
-                <a16:creationId xmlns="" xmlns:a16="http://schemas.microsoft.com/office/drawing/2014/main" id="{AD09EED9-34A2-4E0A-99B0-3A143C06F709}"/>
+                <a16:creationId xmlns:a16="http://schemas.microsoft.com/office/drawing/2014/main" xmlns="" id="{AD09EED9-34A2-4E0A-99B0-3A143C06F709}"/>
               </a:ext>
             </a:extLst>
           </p:cNvPr>
@@ -2757,7 +2757,7 @@
           <a:p>
             <a:fld id="{4DEEB615-8505-4850-8F2D-DDA58E767753}" type="datetimeFigureOut">
               <a:rPr lang="en-GB" smtClean="0"/>
-              <a:t>27/12/2018</a:t>
+              <a:t>28/12/2018</a:t>
             </a:fld>
             <a:endParaRPr lang="en-GB"/>
           </a:p>
@@ -2768,7 +2768,7 @@
           <p:cNvPr id="6" name="Alt Bilgi Yer Tutucusu 5">
             <a:extLst>
               <a:ext uri="{FF2B5EF4-FFF2-40B4-BE49-F238E27FC236}">
-                <a16:creationId xmlns="" xmlns:a16="http://schemas.microsoft.com/office/drawing/2014/main" id="{08B31176-D1AA-437E-88C5-93F40DD9CB4A}"/>
+                <a16:creationId xmlns:a16="http://schemas.microsoft.com/office/drawing/2014/main" xmlns="" id="{08B31176-D1AA-437E-88C5-93F40DD9CB4A}"/>
               </a:ext>
             </a:extLst>
           </p:cNvPr>
@@ -2793,7 +2793,7 @@
           <p:cNvPr id="7" name="Slayt Numarası Yer Tutucusu 6">
             <a:extLst>
               <a:ext uri="{FF2B5EF4-FFF2-40B4-BE49-F238E27FC236}">
-                <a16:creationId xmlns="" xmlns:a16="http://schemas.microsoft.com/office/drawing/2014/main" id="{44783B3D-6A18-4006-B2A2-E449CC80301C}"/>
+                <a16:creationId xmlns:a16="http://schemas.microsoft.com/office/drawing/2014/main" xmlns="" id="{44783B3D-6A18-4006-B2A2-E449CC80301C}"/>
               </a:ext>
             </a:extLst>
           </p:cNvPr>
@@ -2852,7 +2852,7 @@
           <p:cNvPr id="2" name="Unvan 1">
             <a:extLst>
               <a:ext uri="{FF2B5EF4-FFF2-40B4-BE49-F238E27FC236}">
-                <a16:creationId xmlns="" xmlns:a16="http://schemas.microsoft.com/office/drawing/2014/main" id="{8D4D4897-ED69-4F4A-90A7-E3981CB71736}"/>
+                <a16:creationId xmlns:a16="http://schemas.microsoft.com/office/drawing/2014/main" xmlns="" id="{8D4D4897-ED69-4F4A-90A7-E3981CB71736}"/>
               </a:ext>
             </a:extLst>
           </p:cNvPr>
@@ -2890,7 +2890,7 @@
           <p:cNvPr id="3" name="Resim Yer Tutucusu 2">
             <a:extLst>
               <a:ext uri="{FF2B5EF4-FFF2-40B4-BE49-F238E27FC236}">
-                <a16:creationId xmlns="" xmlns:a16="http://schemas.microsoft.com/office/drawing/2014/main" id="{EE797CCB-62ED-4D82-B02F-5E631737DB63}"/>
+                <a16:creationId xmlns:a16="http://schemas.microsoft.com/office/drawing/2014/main" xmlns="" id="{EE797CCB-62ED-4D82-B02F-5E631737DB63}"/>
               </a:ext>
             </a:extLst>
           </p:cNvPr>
@@ -2957,7 +2957,7 @@
           <p:cNvPr id="4" name="Metin Yer Tutucusu 3">
             <a:extLst>
               <a:ext uri="{FF2B5EF4-FFF2-40B4-BE49-F238E27FC236}">
-                <a16:creationId xmlns="" xmlns:a16="http://schemas.microsoft.com/office/drawing/2014/main" id="{5A0D92BC-BBAA-4153-A887-7401615D37E0}"/>
+                <a16:creationId xmlns:a16="http://schemas.microsoft.com/office/drawing/2014/main" xmlns="" id="{5A0D92BC-BBAA-4153-A887-7401615D37E0}"/>
               </a:ext>
             </a:extLst>
           </p:cNvPr>
@@ -3028,7 +3028,7 @@
           <p:cNvPr id="5" name="Veri Yer Tutucusu 4">
             <a:extLst>
               <a:ext uri="{FF2B5EF4-FFF2-40B4-BE49-F238E27FC236}">
-                <a16:creationId xmlns="" xmlns:a16="http://schemas.microsoft.com/office/drawing/2014/main" id="{D2F7549E-0D54-4C76-9EEA-42DADE9FF1EF}"/>
+                <a16:creationId xmlns:a16="http://schemas.microsoft.com/office/drawing/2014/main" xmlns="" id="{D2F7549E-0D54-4C76-9EEA-42DADE9FF1EF}"/>
               </a:ext>
             </a:extLst>
           </p:cNvPr>
@@ -3046,7 +3046,7 @@
           <a:p>
             <a:fld id="{4DEEB615-8505-4850-8F2D-DDA58E767753}" type="datetimeFigureOut">
               <a:rPr lang="en-GB" smtClean="0"/>
-              <a:t>27/12/2018</a:t>
+              <a:t>28/12/2018</a:t>
             </a:fld>
             <a:endParaRPr lang="en-GB"/>
           </a:p>
@@ -3057,7 +3057,7 @@
           <p:cNvPr id="6" name="Alt Bilgi Yer Tutucusu 5">
             <a:extLst>
               <a:ext uri="{FF2B5EF4-FFF2-40B4-BE49-F238E27FC236}">
-                <a16:creationId xmlns="" xmlns:a16="http://schemas.microsoft.com/office/drawing/2014/main" id="{980E3001-4ECB-415E-AA8C-65834F03570F}"/>
+                <a16:creationId xmlns:a16="http://schemas.microsoft.com/office/drawing/2014/main" xmlns="" id="{980E3001-4ECB-415E-AA8C-65834F03570F}"/>
               </a:ext>
             </a:extLst>
           </p:cNvPr>
@@ -3082,7 +3082,7 @@
           <p:cNvPr id="7" name="Slayt Numarası Yer Tutucusu 6">
             <a:extLst>
               <a:ext uri="{FF2B5EF4-FFF2-40B4-BE49-F238E27FC236}">
-                <a16:creationId xmlns="" xmlns:a16="http://schemas.microsoft.com/office/drawing/2014/main" id="{FB232D26-03F2-4FDF-A911-60F6D4F4FA40}"/>
+                <a16:creationId xmlns:a16="http://schemas.microsoft.com/office/drawing/2014/main" xmlns="" id="{FB232D26-03F2-4FDF-A911-60F6D4F4FA40}"/>
               </a:ext>
             </a:extLst>
           </p:cNvPr>
@@ -3146,7 +3146,7 @@
           <p:cNvPr id="2" name="Başlık Yer Tutucusu 1">
             <a:extLst>
               <a:ext uri="{FF2B5EF4-FFF2-40B4-BE49-F238E27FC236}">
-                <a16:creationId xmlns="" xmlns:a16="http://schemas.microsoft.com/office/drawing/2014/main" id="{34B537A3-C651-46C8-BB9F-21EDB8F027AD}"/>
+                <a16:creationId xmlns:a16="http://schemas.microsoft.com/office/drawing/2014/main" xmlns="" id="{34B537A3-C651-46C8-BB9F-21EDB8F027AD}"/>
               </a:ext>
             </a:extLst>
           </p:cNvPr>
@@ -3185,7 +3185,7 @@
           <p:cNvPr id="3" name="Metin Yer Tutucusu 2">
             <a:extLst>
               <a:ext uri="{FF2B5EF4-FFF2-40B4-BE49-F238E27FC236}">
-                <a16:creationId xmlns="" xmlns:a16="http://schemas.microsoft.com/office/drawing/2014/main" id="{821D05D0-1D1F-4F3A-81C6-780DF71EA2DF}"/>
+                <a16:creationId xmlns:a16="http://schemas.microsoft.com/office/drawing/2014/main" xmlns="" id="{821D05D0-1D1F-4F3A-81C6-780DF71EA2DF}"/>
               </a:ext>
             </a:extLst>
           </p:cNvPr>
@@ -3253,7 +3253,7 @@
           <p:cNvPr id="4" name="Veri Yer Tutucusu 3">
             <a:extLst>
               <a:ext uri="{FF2B5EF4-FFF2-40B4-BE49-F238E27FC236}">
-                <a16:creationId xmlns="" xmlns:a16="http://schemas.microsoft.com/office/drawing/2014/main" id="{A601B628-647F-4E21-99C0-AF2BD3707985}"/>
+                <a16:creationId xmlns:a16="http://schemas.microsoft.com/office/drawing/2014/main" xmlns="" id="{A601B628-647F-4E21-99C0-AF2BD3707985}"/>
               </a:ext>
             </a:extLst>
           </p:cNvPr>
@@ -3289,7 +3289,7 @@
           <a:p>
             <a:fld id="{4DEEB615-8505-4850-8F2D-DDA58E767753}" type="datetimeFigureOut">
               <a:rPr lang="en-GB" smtClean="0"/>
-              <a:t>27/12/2018</a:t>
+              <a:t>28/12/2018</a:t>
             </a:fld>
             <a:endParaRPr lang="en-GB"/>
           </a:p>
@@ -3300,7 +3300,7 @@
           <p:cNvPr id="5" name="Alt Bilgi Yer Tutucusu 4">
             <a:extLst>
               <a:ext uri="{FF2B5EF4-FFF2-40B4-BE49-F238E27FC236}">
-                <a16:creationId xmlns="" xmlns:a16="http://schemas.microsoft.com/office/drawing/2014/main" id="{2CAFB894-A92B-478F-97F6-47B3EEE3F232}"/>
+                <a16:creationId xmlns:a16="http://schemas.microsoft.com/office/drawing/2014/main" xmlns="" id="{2CAFB894-A92B-478F-97F6-47B3EEE3F232}"/>
               </a:ext>
             </a:extLst>
           </p:cNvPr>
@@ -3343,7 +3343,7 @@
           <p:cNvPr id="6" name="Slayt Numarası Yer Tutucusu 5">
             <a:extLst>
               <a:ext uri="{FF2B5EF4-FFF2-40B4-BE49-F238E27FC236}">
-                <a16:creationId xmlns="" xmlns:a16="http://schemas.microsoft.com/office/drawing/2014/main" id="{8C3F9AFF-2275-46E7-BF2C-BDE4B831E587}"/>
+                <a16:creationId xmlns:a16="http://schemas.microsoft.com/office/drawing/2014/main" xmlns="" id="{8C3F9AFF-2275-46E7-BF2C-BDE4B831E587}"/>
               </a:ext>
             </a:extLst>
           </p:cNvPr>
@@ -3711,7 +3711,7 @@
           <p:cNvPr id="5" name="Resim 4">
             <a:extLst>
               <a:ext uri="{FF2B5EF4-FFF2-40B4-BE49-F238E27FC236}">
-                <a16:creationId xmlns="" xmlns:a16="http://schemas.microsoft.com/office/drawing/2014/main" id="{F0484DDC-7BBE-4A92-AA58-CAC5A7878CF1}"/>
+                <a16:creationId xmlns:a16="http://schemas.microsoft.com/office/drawing/2014/main" xmlns="" id="{F0484DDC-7BBE-4A92-AA58-CAC5A7878CF1}"/>
               </a:ext>
             </a:extLst>
           </p:cNvPr>
@@ -3747,7 +3747,7 @@
           <p:cNvPr id="6" name="Picture 2" descr="https://lh5.googleusercontent.com/YzR2oevrwhcz85nqXx9ncoHB2SEwMBXqlY8Xp1l2VSs8cuq5X2HewkE7hsMvsxTAkFeJpNm2xSWW2tLtfXxuDWn0R1B5pd2KpqjGszQ77HShLpwLE5LQ39RDjGpc9K_h-CEMw1EpO_M">
             <a:extLst>
               <a:ext uri="{FF2B5EF4-FFF2-40B4-BE49-F238E27FC236}">
-                <a16:creationId xmlns="" xmlns:a16="http://schemas.microsoft.com/office/drawing/2014/main" id="{1D9169A1-9F86-4EB0-BFE5-32BA4ACD0B50}"/>
+                <a16:creationId xmlns:a16="http://schemas.microsoft.com/office/drawing/2014/main" xmlns="" id="{1D9169A1-9F86-4EB0-BFE5-32BA4ACD0B50}"/>
               </a:ext>
             </a:extLst>
           </p:cNvPr>
@@ -3794,7 +3794,7 @@
           <p:cNvPr id="9" name="Dikdörtgen 8">
             <a:extLst>
               <a:ext uri="{FF2B5EF4-FFF2-40B4-BE49-F238E27FC236}">
-                <a16:creationId xmlns="" xmlns:a16="http://schemas.microsoft.com/office/drawing/2014/main" id="{F42A23C6-A59C-4CDD-A51C-B5BB15CC763E}"/>
+                <a16:creationId xmlns:a16="http://schemas.microsoft.com/office/drawing/2014/main" xmlns="" id="{F42A23C6-A59C-4CDD-A51C-B5BB15CC763E}"/>
               </a:ext>
             </a:extLst>
           </p:cNvPr>
@@ -3823,12 +3823,20 @@
               <a:buSzPts val="5867"/>
             </a:pPr>
             <a:r>
+              <a:rPr lang="tr-TR" sz="6000" b="1" dirty="0" smtClean="0">
+                <a:ea typeface="Calibri"/>
+                <a:cs typeface="Calibri"/>
+                <a:sym typeface="Calibri"/>
+              </a:rPr>
+              <a:t>CONCEPTUAL </a:t>
+            </a:r>
+            <a:r>
               <a:rPr lang="tr-TR" sz="6000" b="1" dirty="0">
                 <a:ea typeface="Calibri"/>
                 <a:cs typeface="Calibri"/>
                 <a:sym typeface="Calibri"/>
               </a:rPr>
-              <a:t>CONCEPTIAL DESIGN </a:t>
+              <a:t>DESIGN </a:t>
             </a:r>
             <a:br>
               <a:rPr lang="tr-TR" sz="6000" b="1" dirty="0">
@@ -3891,7 +3899,7 @@
           <p:cNvPr id="2" name="Unvan 1">
             <a:extLst>
               <a:ext uri="{FF2B5EF4-FFF2-40B4-BE49-F238E27FC236}">
-                <a16:creationId xmlns="" xmlns:a16="http://schemas.microsoft.com/office/drawing/2014/main" id="{47ADBC36-5277-4EFF-AE38-8791389B8D41}"/>
+                <a16:creationId xmlns:a16="http://schemas.microsoft.com/office/drawing/2014/main" xmlns="" id="{47ADBC36-5277-4EFF-AE38-8791389B8D41}"/>
               </a:ext>
             </a:extLst>
           </p:cNvPr>
@@ -3907,11 +3915,19 @@
           <a:bodyPr/>
           <a:lstStyle/>
           <a:p>
-            <a:r>
-              <a:rPr lang="tr-TR" dirty="0" smtClean="0"/>
-              <a:t>Mert Kayış</a:t>
-            </a:r>
-            <a:endParaRPr lang="en-GB" dirty="0"/>
+            <a:pPr algn="ctr"/>
+            <a:r>
+              <a:rPr lang="tr-TR" b="1" dirty="0" smtClean="0"/>
+              <a:t>MERT KAYIŞ</a:t>
+            </a:r>
+            <a:br>
+              <a:rPr lang="tr-TR" b="1" dirty="0" smtClean="0"/>
+            </a:br>
+            <a:r>
+              <a:rPr lang="tr-TR" b="1" dirty="0" smtClean="0"/>
+              <a:t>COO</a:t>
+            </a:r>
+            <a:endParaRPr lang="en-GB" b="1" dirty="0"/>
           </a:p>
         </p:txBody>
       </p:sp>
@@ -3964,7 +3980,7 @@
           <p:cNvPr id="4" name="Resim 3">
             <a:extLst>
               <a:ext uri="{FF2B5EF4-FFF2-40B4-BE49-F238E27FC236}">
-                <a16:creationId xmlns="" xmlns:a16="http://schemas.microsoft.com/office/drawing/2014/main" id="{77D5D1C2-FAF4-424A-8EBA-C88AB557596E}"/>
+                <a16:creationId xmlns:a16="http://schemas.microsoft.com/office/drawing/2014/main" xmlns="" id="{77D5D1C2-FAF4-424A-8EBA-C88AB557596E}"/>
               </a:ext>
             </a:extLst>
           </p:cNvPr>
@@ -4037,7 +4053,7 @@
           <p:cNvPr id="2" name="Unvan 1">
             <a:extLst>
               <a:ext uri="{FF2B5EF4-FFF2-40B4-BE49-F238E27FC236}">
-                <a16:creationId xmlns="" xmlns:a16="http://schemas.microsoft.com/office/drawing/2014/main" id="{47ADBC36-5277-4EFF-AE38-8791389B8D41}"/>
+                <a16:creationId xmlns:a16="http://schemas.microsoft.com/office/drawing/2014/main" xmlns="" id="{47ADBC36-5277-4EFF-AE38-8791389B8D41}"/>
               </a:ext>
             </a:extLst>
           </p:cNvPr>
@@ -4071,7 +4087,7 @@
           <p:cNvPr id="4" name="Resim 3">
             <a:extLst>
               <a:ext uri="{FF2B5EF4-FFF2-40B4-BE49-F238E27FC236}">
-                <a16:creationId xmlns="" xmlns:a16="http://schemas.microsoft.com/office/drawing/2014/main" id="{77D5D1C2-FAF4-424A-8EBA-C88AB557596E}"/>
+                <a16:creationId xmlns:a16="http://schemas.microsoft.com/office/drawing/2014/main" xmlns="" id="{77D5D1C2-FAF4-424A-8EBA-C88AB557596E}"/>
               </a:ext>
             </a:extLst>
           </p:cNvPr>
@@ -4175,7 +4191,7 @@
           <p:cNvPr id="2" name="Unvan 1">
             <a:extLst>
               <a:ext uri="{FF2B5EF4-FFF2-40B4-BE49-F238E27FC236}">
-                <a16:creationId xmlns="" xmlns:a16="http://schemas.microsoft.com/office/drawing/2014/main" id="{47ADBC36-5277-4EFF-AE38-8791389B8D41}"/>
+                <a16:creationId xmlns:a16="http://schemas.microsoft.com/office/drawing/2014/main" xmlns="" id="{47ADBC36-5277-4EFF-AE38-8791389B8D41}"/>
               </a:ext>
             </a:extLst>
           </p:cNvPr>
@@ -4209,7 +4225,7 @@
           <p:cNvPr id="4" name="Resim 3">
             <a:extLst>
               <a:ext uri="{FF2B5EF4-FFF2-40B4-BE49-F238E27FC236}">
-                <a16:creationId xmlns="" xmlns:a16="http://schemas.microsoft.com/office/drawing/2014/main" id="{77D5D1C2-FAF4-424A-8EBA-C88AB557596E}"/>
+                <a16:creationId xmlns:a16="http://schemas.microsoft.com/office/drawing/2014/main" xmlns="" id="{77D5D1C2-FAF4-424A-8EBA-C88AB557596E}"/>
               </a:ext>
             </a:extLst>
           </p:cNvPr>
@@ -4276,7 +4292,7 @@
           <p:cNvPr id="6" name="Unvan 1">
             <a:extLst>
               <a:ext uri="{FF2B5EF4-FFF2-40B4-BE49-F238E27FC236}">
-                <a16:creationId xmlns="" xmlns:a16="http://schemas.microsoft.com/office/drawing/2014/main" id="{47ADBC36-5277-4EFF-AE38-8791389B8D41}"/>
+                <a16:creationId xmlns:a16="http://schemas.microsoft.com/office/drawing/2014/main" xmlns="" id="{47ADBC36-5277-4EFF-AE38-8791389B8D41}"/>
               </a:ext>
             </a:extLst>
           </p:cNvPr>
@@ -4332,7 +4348,7 @@
           <p:cNvPr id="7" name="Unvan 1">
             <a:extLst>
               <a:ext uri="{FF2B5EF4-FFF2-40B4-BE49-F238E27FC236}">
-                <a16:creationId xmlns="" xmlns:a16="http://schemas.microsoft.com/office/drawing/2014/main" id="{47ADBC36-5277-4EFF-AE38-8791389B8D41}"/>
+                <a16:creationId xmlns:a16="http://schemas.microsoft.com/office/drawing/2014/main" xmlns="" id="{47ADBC36-5277-4EFF-AE38-8791389B8D41}"/>
               </a:ext>
             </a:extLst>
           </p:cNvPr>
@@ -4425,7 +4441,7 @@
           <p:cNvPr id="2" name="Unvan 1">
             <a:extLst>
               <a:ext uri="{FF2B5EF4-FFF2-40B4-BE49-F238E27FC236}">
-                <a16:creationId xmlns="" xmlns:a16="http://schemas.microsoft.com/office/drawing/2014/main" id="{47ADBC36-5277-4EFF-AE38-8791389B8D41}"/>
+                <a16:creationId xmlns:a16="http://schemas.microsoft.com/office/drawing/2014/main" xmlns="" id="{47ADBC36-5277-4EFF-AE38-8791389B8D41}"/>
               </a:ext>
             </a:extLst>
           </p:cNvPr>
@@ -4459,7 +4475,7 @@
           <p:cNvPr id="4" name="Resim 3">
             <a:extLst>
               <a:ext uri="{FF2B5EF4-FFF2-40B4-BE49-F238E27FC236}">
-                <a16:creationId xmlns="" xmlns:a16="http://schemas.microsoft.com/office/drawing/2014/main" id="{77D5D1C2-FAF4-424A-8EBA-C88AB557596E}"/>
+                <a16:creationId xmlns:a16="http://schemas.microsoft.com/office/drawing/2014/main" xmlns="" id="{77D5D1C2-FAF4-424A-8EBA-C88AB557596E}"/>
               </a:ext>
             </a:extLst>
           </p:cNvPr>
@@ -4563,7 +4579,7 @@
           <p:cNvPr id="2" name="Unvan 1">
             <a:extLst>
               <a:ext uri="{FF2B5EF4-FFF2-40B4-BE49-F238E27FC236}">
-                <a16:creationId xmlns="" xmlns:a16="http://schemas.microsoft.com/office/drawing/2014/main" id="{47ADBC36-5277-4EFF-AE38-8791389B8D41}"/>
+                <a16:creationId xmlns:a16="http://schemas.microsoft.com/office/drawing/2014/main" xmlns="" id="{47ADBC36-5277-4EFF-AE38-8791389B8D41}"/>
               </a:ext>
             </a:extLst>
           </p:cNvPr>
@@ -4597,7 +4613,7 @@
           <p:cNvPr id="4" name="Resim 3">
             <a:extLst>
               <a:ext uri="{FF2B5EF4-FFF2-40B4-BE49-F238E27FC236}">
-                <a16:creationId xmlns="" xmlns:a16="http://schemas.microsoft.com/office/drawing/2014/main" id="{77D5D1C2-FAF4-424A-8EBA-C88AB557596E}"/>
+                <a16:creationId xmlns:a16="http://schemas.microsoft.com/office/drawing/2014/main" xmlns="" id="{77D5D1C2-FAF4-424A-8EBA-C88AB557596E}"/>
               </a:ext>
             </a:extLst>
           </p:cNvPr>
@@ -4732,7 +4748,7 @@
           <p:cNvPr id="2" name="Unvan 1">
             <a:extLst>
               <a:ext uri="{FF2B5EF4-FFF2-40B4-BE49-F238E27FC236}">
-                <a16:creationId xmlns="" xmlns:a16="http://schemas.microsoft.com/office/drawing/2014/main" id="{47ADBC36-5277-4EFF-AE38-8791389B8D41}"/>
+                <a16:creationId xmlns:a16="http://schemas.microsoft.com/office/drawing/2014/main" xmlns="" id="{47ADBC36-5277-4EFF-AE38-8791389B8D41}"/>
               </a:ext>
             </a:extLst>
           </p:cNvPr>
@@ -4761,7 +4777,7 @@
           <p:cNvPr id="4" name="Resim 3">
             <a:extLst>
               <a:ext uri="{FF2B5EF4-FFF2-40B4-BE49-F238E27FC236}">
-                <a16:creationId xmlns="" xmlns:a16="http://schemas.microsoft.com/office/drawing/2014/main" id="{77D5D1C2-FAF4-424A-8EBA-C88AB557596E}"/>
+                <a16:creationId xmlns:a16="http://schemas.microsoft.com/office/drawing/2014/main" xmlns="" id="{77D5D1C2-FAF4-424A-8EBA-C88AB557596E}"/>
               </a:ext>
             </a:extLst>
           </p:cNvPr>
